--- a/Crystal Maze Disaster.pptx
+++ b/Crystal Maze Disaster.pptx
@@ -7,6 +7,10 @@
   <p:sldIdLst>
     <p:sldId id="256" r:id="rId2"/>
     <p:sldId id="257" r:id="rId3"/>
+    <p:sldId id="259" r:id="rId4"/>
+    <p:sldId id="260" r:id="rId5"/>
+    <p:sldId id="261" r:id="rId6"/>
+    <p:sldId id="258" r:id="rId7"/>
   </p:sldIdLst>
   <p:sldSz cx="9144000" cy="6858000" type="screen4x3"/>
   <p:notesSz cx="6858000" cy="9144000"/>
@@ -289,7 +293,7 @@
           <a:p>
             <a:fld id="{074A871A-83E9-4E35-B055-15B93AF14EB8}" type="datetimeFigureOut">
               <a:rPr lang="en-GB" smtClean="0"/>
-              <a:t>19/10/2015</a:t>
+              <a:t>21/10/2015</a:t>
             </a:fld>
             <a:endParaRPr lang="en-GB"/>
           </a:p>
@@ -459,7 +463,7 @@
           <a:p>
             <a:fld id="{074A871A-83E9-4E35-B055-15B93AF14EB8}" type="datetimeFigureOut">
               <a:rPr lang="en-GB" smtClean="0"/>
-              <a:t>19/10/2015</a:t>
+              <a:t>21/10/2015</a:t>
             </a:fld>
             <a:endParaRPr lang="en-GB"/>
           </a:p>
@@ -639,7 +643,7 @@
           <a:p>
             <a:fld id="{074A871A-83E9-4E35-B055-15B93AF14EB8}" type="datetimeFigureOut">
               <a:rPr lang="en-GB" smtClean="0"/>
-              <a:t>19/10/2015</a:t>
+              <a:t>21/10/2015</a:t>
             </a:fld>
             <a:endParaRPr lang="en-GB"/>
           </a:p>
@@ -809,7 +813,7 @@
           <a:p>
             <a:fld id="{074A871A-83E9-4E35-B055-15B93AF14EB8}" type="datetimeFigureOut">
               <a:rPr lang="en-GB" smtClean="0"/>
-              <a:t>19/10/2015</a:t>
+              <a:t>21/10/2015</a:t>
             </a:fld>
             <a:endParaRPr lang="en-GB"/>
           </a:p>
@@ -1055,7 +1059,7 @@
           <a:p>
             <a:fld id="{074A871A-83E9-4E35-B055-15B93AF14EB8}" type="datetimeFigureOut">
               <a:rPr lang="en-GB" smtClean="0"/>
-              <a:t>19/10/2015</a:t>
+              <a:t>21/10/2015</a:t>
             </a:fld>
             <a:endParaRPr lang="en-GB"/>
           </a:p>
@@ -1343,7 +1347,7 @@
           <a:p>
             <a:fld id="{074A871A-83E9-4E35-B055-15B93AF14EB8}" type="datetimeFigureOut">
               <a:rPr lang="en-GB" smtClean="0"/>
-              <a:t>19/10/2015</a:t>
+              <a:t>21/10/2015</a:t>
             </a:fld>
             <a:endParaRPr lang="en-GB"/>
           </a:p>
@@ -1765,7 +1769,7 @@
           <a:p>
             <a:fld id="{074A871A-83E9-4E35-B055-15B93AF14EB8}" type="datetimeFigureOut">
               <a:rPr lang="en-GB" smtClean="0"/>
-              <a:t>19/10/2015</a:t>
+              <a:t>21/10/2015</a:t>
             </a:fld>
             <a:endParaRPr lang="en-GB"/>
           </a:p>
@@ -1883,7 +1887,7 @@
           <a:p>
             <a:fld id="{074A871A-83E9-4E35-B055-15B93AF14EB8}" type="datetimeFigureOut">
               <a:rPr lang="en-GB" smtClean="0"/>
-              <a:t>19/10/2015</a:t>
+              <a:t>21/10/2015</a:t>
             </a:fld>
             <a:endParaRPr lang="en-GB"/>
           </a:p>
@@ -1978,7 +1982,7 @@
           <a:p>
             <a:fld id="{074A871A-83E9-4E35-B055-15B93AF14EB8}" type="datetimeFigureOut">
               <a:rPr lang="en-GB" smtClean="0"/>
-              <a:t>19/10/2015</a:t>
+              <a:t>21/10/2015</a:t>
             </a:fld>
             <a:endParaRPr lang="en-GB"/>
           </a:p>
@@ -2255,7 +2259,7 @@
           <a:p>
             <a:fld id="{074A871A-83E9-4E35-B055-15B93AF14EB8}" type="datetimeFigureOut">
               <a:rPr lang="en-GB" smtClean="0"/>
-              <a:t>19/10/2015</a:t>
+              <a:t>21/10/2015</a:t>
             </a:fld>
             <a:endParaRPr lang="en-GB"/>
           </a:p>
@@ -2508,7 +2512,7 @@
           <a:p>
             <a:fld id="{074A871A-83E9-4E35-B055-15B93AF14EB8}" type="datetimeFigureOut">
               <a:rPr lang="en-GB" smtClean="0"/>
-              <a:t>19/10/2015</a:t>
+              <a:t>21/10/2015</a:t>
             </a:fld>
             <a:endParaRPr lang="en-GB"/>
           </a:p>
@@ -2573,9 +2577,15 @@
 <p:sldMaster xmlns:a="http://schemas.openxmlformats.org/drawingml/2006/main" xmlns:r="http://schemas.openxmlformats.org/officeDocument/2006/relationships" xmlns:p="http://schemas.openxmlformats.org/presentationml/2006/main">
   <p:cSld>
     <p:bg>
-      <p:bgRef idx="1001">
-        <a:schemeClr val="bg1"/>
-      </p:bgRef>
+      <p:bgPr>
+        <a:solidFill>
+          <a:schemeClr val="accent2">
+            <a:lumMod val="60000"/>
+            <a:lumOff val="40000"/>
+          </a:schemeClr>
+        </a:solidFill>
+        <a:effectLst/>
+      </p:bgPr>
     </p:bg>
     <p:spTree>
       <p:nvGrpSpPr>
@@ -2721,7 +2731,7 @@
           <a:p>
             <a:fld id="{074A871A-83E9-4E35-B055-15B93AF14EB8}" type="datetimeFigureOut">
               <a:rPr lang="en-GB" smtClean="0"/>
-              <a:t>19/10/2015</a:t>
+              <a:t>21/10/2015</a:t>
             </a:fld>
             <a:endParaRPr lang="en-GB"/>
           </a:p>
@@ -3106,16 +3116,275 @@
             <p:ph type="ctrTitle"/>
           </p:nvPr>
         </p:nvSpPr>
-        <p:spPr/>
+        <p:spPr>
+          <a:xfrm>
+            <a:off x="762000" y="358775"/>
+            <a:ext cx="7772400" cy="1393825"/>
+          </a:xfrm>
+        </p:spPr>
         <p:txBody>
           <a:bodyPr/>
           <a:lstStyle/>
           <a:p>
             <a:r>
               <a:rPr lang="en-ZA" dirty="0" smtClean="0"/>
-              <a:t>Crystal Maze Disaster</a:t>
+              <a:t>Death-</a:t>
+            </a:r>
+            <a:r>
+              <a:rPr lang="en-ZA" dirty="0" err="1" smtClean="0"/>
+              <a:t>rone</a:t>
             </a:r>
             <a:endParaRPr lang="en-GB" dirty="0"/>
+          </a:p>
+        </p:txBody>
+      </p:sp>
+      <p:pic>
+        <p:nvPicPr>
+          <p:cNvPr id="3" name="Picture 2"/>
+          <p:cNvPicPr>
+            <a:picLocks noChangeAspect="1" noChangeArrowheads="1"/>
+          </p:cNvPicPr>
+          <p:nvPr/>
+        </p:nvPicPr>
+        <p:blipFill>
+          <a:blip r:embed="rId2">
+            <a:extLst>
+              <a:ext uri="{28A0092B-C50C-407E-A947-70E740481C1C}">
+                <a14:useLocalDpi xmlns:a14="http://schemas.microsoft.com/office/drawing/2010/main" val="0"/>
+              </a:ext>
+            </a:extLst>
+          </a:blip>
+          <a:srcRect/>
+          <a:stretch>
+            <a:fillRect/>
+          </a:stretch>
+        </p:blipFill>
+        <p:spPr bwMode="auto">
+          <a:xfrm>
+            <a:off x="838199" y="1828800"/>
+            <a:ext cx="3013499" cy="2260124"/>
+          </a:xfrm>
+          <a:prstGeom prst="rect">
+            <a:avLst/>
+          </a:prstGeom>
+          <a:noFill/>
+          <a:ln>
+            <a:noFill/>
+          </a:ln>
+          <a:extLst>
+            <a:ext uri="{909E8E84-426E-40DD-AFC4-6F175D3DCCD1}">
+              <a14:hiddenFill xmlns:a14="http://schemas.microsoft.com/office/drawing/2010/main">
+                <a:solidFill>
+                  <a:schemeClr val="accent1"/>
+                </a:solidFill>
+              </a14:hiddenFill>
+            </a:ext>
+            <a:ext uri="{91240B29-F687-4F45-9708-019B960494DF}">
+              <a14:hiddenLine xmlns:a14="http://schemas.microsoft.com/office/drawing/2010/main" w="9525">
+                <a:solidFill>
+                  <a:schemeClr val="tx1"/>
+                </a:solidFill>
+                <a:miter lim="800000"/>
+                <a:headEnd/>
+                <a:tailEnd/>
+              </a14:hiddenLine>
+            </a:ext>
+          </a:extLst>
+        </p:spPr>
+      </p:pic>
+      <p:pic>
+        <p:nvPicPr>
+          <p:cNvPr id="4" name="Picture 4" descr="http://vignette3.wikia.nocookie.net/templerun/images/1/12/Temple_run_tree_root.jpg/revision/latest?cb=20150711221619"/>
+          <p:cNvPicPr>
+            <a:picLocks noChangeAspect="1" noChangeArrowheads="1"/>
+          </p:cNvPicPr>
+          <p:nvPr/>
+        </p:nvPicPr>
+        <p:blipFill>
+          <a:blip r:embed="rId3" cstate="print">
+            <a:extLst>
+              <a:ext uri="{28A0092B-C50C-407E-A947-70E740481C1C}">
+                <a14:useLocalDpi xmlns:a14="http://schemas.microsoft.com/office/drawing/2010/main" val="0"/>
+              </a:ext>
+            </a:extLst>
+          </a:blip>
+          <a:srcRect/>
+          <a:stretch>
+            <a:fillRect/>
+          </a:stretch>
+        </p:blipFill>
+        <p:spPr bwMode="auto">
+          <a:xfrm>
+            <a:off x="5105400" y="1828800"/>
+            <a:ext cx="2748798" cy="2260123"/>
+          </a:xfrm>
+          <a:prstGeom prst="rect">
+            <a:avLst/>
+          </a:prstGeom>
+          <a:noFill/>
+          <a:extLst>
+            <a:ext uri="{909E8E84-426E-40DD-AFC4-6F175D3DCCD1}">
+              <a14:hiddenFill xmlns:a14="http://schemas.microsoft.com/office/drawing/2010/main">
+                <a:solidFill>
+                  <a:srgbClr val="FFFFFF"/>
+                </a:solidFill>
+              </a14:hiddenFill>
+            </a:ext>
+          </a:extLst>
+        </p:spPr>
+      </p:pic>
+      <p:sp>
+        <p:nvSpPr>
+          <p:cNvPr id="5" name="Plus 4"/>
+          <p:cNvSpPr/>
+          <p:nvPr/>
+        </p:nvSpPr>
+        <p:spPr>
+          <a:xfrm>
+            <a:off x="3919070" y="2382165"/>
+            <a:ext cx="1110130" cy="1153391"/>
+          </a:xfrm>
+          <a:prstGeom prst="mathPlus">
+            <a:avLst/>
+          </a:prstGeom>
+          <a:solidFill>
+            <a:schemeClr val="tx1"/>
+          </a:solidFill>
+          <a:ln>
+            <a:solidFill>
+              <a:schemeClr val="tx1"/>
+            </a:solidFill>
+          </a:ln>
+        </p:spPr>
+        <p:style>
+          <a:lnRef idx="2">
+            <a:schemeClr val="accent1">
+              <a:shade val="50000"/>
+            </a:schemeClr>
+          </a:lnRef>
+          <a:fillRef idx="1">
+            <a:schemeClr val="accent1"/>
+          </a:fillRef>
+          <a:effectRef idx="0">
+            <a:schemeClr val="accent1"/>
+          </a:effectRef>
+          <a:fontRef idx="minor">
+            <a:schemeClr val="lt1"/>
+          </a:fontRef>
+        </p:style>
+        <p:txBody>
+          <a:bodyPr rtlCol="0" anchor="ctr"/>
+          <a:lstStyle/>
+          <a:p>
+            <a:pPr algn="ctr"/>
+            <a:endParaRPr lang="en-GB"/>
+          </a:p>
+        </p:txBody>
+      </p:sp>
+      <p:pic>
+        <p:nvPicPr>
+          <p:cNvPr id="2050" name="Picture 2" descr="C:\Users\Innervate316\AppData\Local\Microsoft\Windows\INetCache\IE\VZDCSYIL\clipart-0117[1].png"/>
+          <p:cNvPicPr>
+            <a:picLocks noChangeAspect="1" noChangeArrowheads="1"/>
+          </p:cNvPicPr>
+          <p:nvPr/>
+        </p:nvPicPr>
+        <p:blipFill>
+          <a:blip r:embed="rId4" cstate="print">
+            <a:extLst>
+              <a:ext uri="{28A0092B-C50C-407E-A947-70E740481C1C}">
+                <a14:useLocalDpi xmlns:a14="http://schemas.microsoft.com/office/drawing/2010/main" val="0"/>
+              </a:ext>
+            </a:extLst>
+          </a:blip>
+          <a:srcRect/>
+          <a:stretch>
+            <a:fillRect/>
+          </a:stretch>
+        </p:blipFill>
+        <p:spPr bwMode="auto">
+          <a:xfrm>
+            <a:off x="3585910" y="3961518"/>
+            <a:ext cx="1894344" cy="2987139"/>
+          </a:xfrm>
+          <a:prstGeom prst="rect">
+            <a:avLst/>
+          </a:prstGeom>
+          <a:noFill/>
+          <a:extLst>
+            <a:ext uri="{909E8E84-426E-40DD-AFC4-6F175D3DCCD1}">
+              <a14:hiddenFill xmlns:a14="http://schemas.microsoft.com/office/drawing/2010/main">
+                <a:solidFill>
+                  <a:srgbClr val="FFFFFF"/>
+                </a:solidFill>
+              </a14:hiddenFill>
+            </a:ext>
+          </a:extLst>
+        </p:spPr>
+      </p:pic>
+      <p:sp>
+        <p:nvSpPr>
+          <p:cNvPr id="7" name="Rectangle 6"/>
+          <p:cNvSpPr/>
+          <p:nvPr/>
+        </p:nvSpPr>
+        <p:spPr>
+          <a:xfrm>
+            <a:off x="1509623" y="4076624"/>
+            <a:ext cx="1670650" cy="200055"/>
+          </a:xfrm>
+          <a:prstGeom prst="rect">
+            <a:avLst/>
+          </a:prstGeom>
+        </p:spPr>
+        <p:txBody>
+          <a:bodyPr wrap="none">
+            <a:spAutoFit/>
+          </a:bodyPr>
+          <a:lstStyle/>
+          <a:p>
+            <a:r>
+              <a:rPr lang="en-GB" sz="700" b="1" dirty="0" smtClean="0"/>
+              <a:t>Image from: http</a:t>
+            </a:r>
+            <a:r>
+              <a:rPr lang="en-GB" sz="700" b="1" dirty="0"/>
+              <a:t>://tinyurl.com/qf7gh5j</a:t>
+            </a:r>
+            <a:endParaRPr lang="en-GB" sz="700" dirty="0"/>
+          </a:p>
+        </p:txBody>
+      </p:sp>
+      <p:sp>
+        <p:nvSpPr>
+          <p:cNvPr id="9" name="Rectangle 8"/>
+          <p:cNvSpPr/>
+          <p:nvPr/>
+        </p:nvSpPr>
+        <p:spPr>
+          <a:xfrm>
+            <a:off x="5644474" y="4076623"/>
+            <a:ext cx="1667444" cy="200055"/>
+          </a:xfrm>
+          <a:prstGeom prst="rect">
+            <a:avLst/>
+          </a:prstGeom>
+        </p:spPr>
+        <p:txBody>
+          <a:bodyPr wrap="none">
+            <a:spAutoFit/>
+          </a:bodyPr>
+          <a:lstStyle/>
+          <a:p>
+            <a:r>
+              <a:rPr lang="en-GB" sz="700" b="1" dirty="0" smtClean="0"/>
+              <a:t>Image from: </a:t>
+            </a:r>
+            <a:r>
+              <a:rPr lang="en-GB" sz="700" b="1" dirty="0"/>
+              <a:t>http://tinyurl.com/obn3tjs</a:t>
+            </a:r>
+            <a:endParaRPr lang="en-GB" sz="700" dirty="0"/>
           </a:p>
         </p:txBody>
       </p:sp>
@@ -3188,12 +3457,30 @@
           <a:lstStyle/>
           <a:p>
             <a:r>
-              <a:rPr lang="en-ZA" dirty="0" smtClean="0"/>
-              <a:t>Gameplay that is similar to 3D scrolling shooter(slicing</a:t>
-            </a:r>
-            <a:r>
-              <a:rPr lang="en-ZA" smtClean="0"/>
-              <a:t>?) game (Star Fox 64).</a:t>
+              <a:rPr lang="en-ZA" sz="4000" dirty="0" smtClean="0"/>
+              <a:t>Gameplay that is </a:t>
+            </a:r>
+            <a:r>
+              <a:rPr lang="en-ZA" sz="4000" dirty="0" smtClean="0"/>
+              <a:t>fast and fluid.</a:t>
+            </a:r>
+          </a:p>
+          <a:p>
+            <a:endParaRPr lang="en-ZA" sz="4000" dirty="0" smtClean="0"/>
+          </a:p>
+          <a:p>
+            <a:r>
+              <a:rPr lang="en-ZA" sz="4000" dirty="0" smtClean="0"/>
+              <a:t>Linear style progression.</a:t>
+            </a:r>
+          </a:p>
+          <a:p>
+            <a:endParaRPr lang="en-ZA" sz="4000" dirty="0" smtClean="0"/>
+          </a:p>
+          <a:p>
+            <a:r>
+              <a:rPr lang="en-ZA" sz="4000" dirty="0" smtClean="0"/>
+              <a:t>Different maps and bosses.</a:t>
             </a:r>
           </a:p>
           <a:p>
@@ -3205,6 +3492,852 @@
     <p:extLst>
       <p:ext uri="{BB962C8B-B14F-4D97-AF65-F5344CB8AC3E}">
         <p14:creationId xmlns:p14="http://schemas.microsoft.com/office/powerpoint/2010/main" val="1255242939"/>
+      </p:ext>
+    </p:extLst>
+  </p:cSld>
+  <p:clrMapOvr>
+    <a:masterClrMapping/>
+  </p:clrMapOvr>
+</p:sld>
+</file>
+
+<file path=ppt/slides/slide3.xml><?xml version="1.0" encoding="utf-8"?>
+<p:sld xmlns:a="http://schemas.openxmlformats.org/drawingml/2006/main" xmlns:r="http://schemas.openxmlformats.org/officeDocument/2006/relationships" xmlns:p="http://schemas.openxmlformats.org/presentationml/2006/main">
+  <p:cSld>
+    <p:spTree>
+      <p:nvGrpSpPr>
+        <p:cNvPr id="1" name=""/>
+        <p:cNvGrpSpPr/>
+        <p:nvPr/>
+      </p:nvGrpSpPr>
+      <p:grpSpPr>
+        <a:xfrm>
+          <a:off x="0" y="0"/>
+          <a:ext cx="0" cy="0"/>
+          <a:chOff x="0" y="0"/>
+          <a:chExt cx="0" cy="0"/>
+        </a:xfrm>
+      </p:grpSpPr>
+      <p:sp>
+        <p:nvSpPr>
+          <p:cNvPr id="2" name="Title 1"/>
+          <p:cNvSpPr>
+            <a:spLocks noGrp="1"/>
+          </p:cNvSpPr>
+          <p:nvPr>
+            <p:ph type="title"/>
+          </p:nvPr>
+        </p:nvSpPr>
+        <p:spPr/>
+        <p:txBody>
+          <a:bodyPr/>
+          <a:lstStyle/>
+          <a:p>
+            <a:r>
+              <a:rPr lang="en-ZA" dirty="0" smtClean="0"/>
+              <a:t>Target Market?</a:t>
+            </a:r>
+            <a:endParaRPr lang="en-GB" dirty="0"/>
+          </a:p>
+        </p:txBody>
+      </p:sp>
+      <p:sp>
+        <p:nvSpPr>
+          <p:cNvPr id="3" name="Content Placeholder 2"/>
+          <p:cNvSpPr>
+            <a:spLocks noGrp="1"/>
+          </p:cNvSpPr>
+          <p:nvPr>
+            <p:ph idx="1"/>
+          </p:nvPr>
+        </p:nvSpPr>
+        <p:spPr/>
+        <p:txBody>
+          <a:bodyPr/>
+          <a:lstStyle/>
+          <a:p>
+            <a:r>
+              <a:rPr lang="en-ZA" dirty="0" smtClean="0"/>
+              <a:t>People who enjoy linear gameplay action.</a:t>
+            </a:r>
+          </a:p>
+          <a:p>
+            <a:endParaRPr lang="en-ZA" dirty="0"/>
+          </a:p>
+          <a:p>
+            <a:r>
+              <a:rPr lang="en-ZA" dirty="0" smtClean="0"/>
+              <a:t>People who enjoy non-convoluted stories.</a:t>
+            </a:r>
+          </a:p>
+          <a:p>
+            <a:endParaRPr lang="en-ZA" dirty="0"/>
+          </a:p>
+          <a:p>
+            <a:r>
+              <a:rPr lang="en-ZA" dirty="0" smtClean="0"/>
+              <a:t>Gamers on the go.</a:t>
+            </a:r>
+          </a:p>
+          <a:p>
+            <a:endParaRPr lang="en-ZA" dirty="0"/>
+          </a:p>
+          <a:p>
+            <a:endParaRPr lang="en-ZA" dirty="0" smtClean="0"/>
+          </a:p>
+          <a:p>
+            <a:endParaRPr lang="en-GB" dirty="0"/>
+          </a:p>
+        </p:txBody>
+      </p:sp>
+    </p:spTree>
+    <p:extLst>
+      <p:ext uri="{BB962C8B-B14F-4D97-AF65-F5344CB8AC3E}">
+        <p14:creationId xmlns:p14="http://schemas.microsoft.com/office/powerpoint/2010/main" val="2424914556"/>
+      </p:ext>
+    </p:extLst>
+  </p:cSld>
+  <p:clrMapOvr>
+    <a:masterClrMapping/>
+  </p:clrMapOvr>
+</p:sld>
+</file>
+
+<file path=ppt/slides/slide4.xml><?xml version="1.0" encoding="utf-8"?>
+<p:sld xmlns:a="http://schemas.openxmlformats.org/drawingml/2006/main" xmlns:r="http://schemas.openxmlformats.org/officeDocument/2006/relationships" xmlns:p="http://schemas.openxmlformats.org/presentationml/2006/main">
+  <p:cSld>
+    <p:spTree>
+      <p:nvGrpSpPr>
+        <p:cNvPr id="1" name=""/>
+        <p:cNvGrpSpPr/>
+        <p:nvPr/>
+      </p:nvGrpSpPr>
+      <p:grpSpPr>
+        <a:xfrm>
+          <a:off x="0" y="0"/>
+          <a:ext cx="0" cy="0"/>
+          <a:chOff x="0" y="0"/>
+          <a:chExt cx="0" cy="0"/>
+        </a:xfrm>
+      </p:grpSpPr>
+      <p:sp>
+        <p:nvSpPr>
+          <p:cNvPr id="2" name="Title 1"/>
+          <p:cNvSpPr>
+            <a:spLocks noGrp="1"/>
+          </p:cNvSpPr>
+          <p:nvPr>
+            <p:ph type="title"/>
+          </p:nvPr>
+        </p:nvSpPr>
+        <p:spPr/>
+        <p:txBody>
+          <a:bodyPr/>
+          <a:lstStyle/>
+          <a:p>
+            <a:r>
+              <a:rPr lang="en-ZA" dirty="0" err="1" smtClean="0"/>
+              <a:t>So.</a:t>
+            </a:r>
+            <a:r>
+              <a:rPr lang="en-ZA" dirty="0" smtClean="0"/>
+              <a:t>..</a:t>
+            </a:r>
+            <a:r>
+              <a:rPr lang="en-ZA" dirty="0"/>
+              <a:t>w</a:t>
+            </a:r>
+            <a:r>
+              <a:rPr lang="en-ZA" dirty="0" smtClean="0"/>
+              <a:t>hat’s different/unique?</a:t>
+            </a:r>
+            <a:endParaRPr lang="en-GB" dirty="0"/>
+          </a:p>
+        </p:txBody>
+      </p:sp>
+      <p:sp>
+        <p:nvSpPr>
+          <p:cNvPr id="3" name="Content Placeholder 2"/>
+          <p:cNvSpPr>
+            <a:spLocks noGrp="1"/>
+          </p:cNvSpPr>
+          <p:nvPr>
+            <p:ph idx="1"/>
+          </p:nvPr>
+        </p:nvSpPr>
+        <p:spPr/>
+        <p:txBody>
+          <a:bodyPr/>
+          <a:lstStyle/>
+          <a:p>
+            <a:r>
+              <a:rPr lang="en-ZA" dirty="0" smtClean="0"/>
+              <a:t>Simple control scheme.</a:t>
+            </a:r>
+          </a:p>
+          <a:p>
+            <a:endParaRPr lang="en-ZA" dirty="0" smtClean="0"/>
+          </a:p>
+          <a:p>
+            <a:r>
+              <a:rPr lang="en-ZA" dirty="0" smtClean="0"/>
+              <a:t>Levels progress on-rail style, with end boss battle.</a:t>
+            </a:r>
+          </a:p>
+          <a:p>
+            <a:endParaRPr lang="en-ZA" dirty="0"/>
+          </a:p>
+          <a:p>
+            <a:r>
+              <a:rPr lang="en-ZA" dirty="0" smtClean="0"/>
+              <a:t>Players choose different levels/bosses to fight, similar to </a:t>
+            </a:r>
+            <a:r>
+              <a:rPr lang="en-ZA" dirty="0" err="1" smtClean="0"/>
+              <a:t>Megaman</a:t>
+            </a:r>
+            <a:r>
+              <a:rPr lang="en-ZA" dirty="0" smtClean="0"/>
+              <a:t> games.</a:t>
+            </a:r>
+            <a:endParaRPr lang="en-ZA" dirty="0"/>
+          </a:p>
+        </p:txBody>
+      </p:sp>
+    </p:spTree>
+    <p:extLst>
+      <p:ext uri="{BB962C8B-B14F-4D97-AF65-F5344CB8AC3E}">
+        <p14:creationId xmlns:p14="http://schemas.microsoft.com/office/powerpoint/2010/main" val="4187709959"/>
+      </p:ext>
+    </p:extLst>
+  </p:cSld>
+  <p:clrMapOvr>
+    <a:masterClrMapping/>
+  </p:clrMapOvr>
+</p:sld>
+</file>
+
+<file path=ppt/slides/slide5.xml><?xml version="1.0" encoding="utf-8"?>
+<p:sld xmlns:a="http://schemas.openxmlformats.org/drawingml/2006/main" xmlns:r="http://schemas.openxmlformats.org/officeDocument/2006/relationships" xmlns:p="http://schemas.openxmlformats.org/presentationml/2006/main">
+  <p:cSld>
+    <p:spTree>
+      <p:nvGrpSpPr>
+        <p:cNvPr id="1" name=""/>
+        <p:cNvGrpSpPr/>
+        <p:nvPr/>
+      </p:nvGrpSpPr>
+      <p:grpSpPr>
+        <a:xfrm>
+          <a:off x="0" y="0"/>
+          <a:ext cx="0" cy="0"/>
+          <a:chOff x="0" y="0"/>
+          <a:chExt cx="0" cy="0"/>
+        </a:xfrm>
+      </p:grpSpPr>
+      <p:sp>
+        <p:nvSpPr>
+          <p:cNvPr id="2" name="Title 1"/>
+          <p:cNvSpPr>
+            <a:spLocks noGrp="1"/>
+          </p:cNvSpPr>
+          <p:nvPr>
+            <p:ph type="title"/>
+          </p:nvPr>
+        </p:nvSpPr>
+        <p:spPr>
+          <a:xfrm>
+            <a:off x="463519" y="0"/>
+            <a:ext cx="8229600" cy="1143000"/>
+          </a:xfrm>
+        </p:spPr>
+        <p:txBody>
+          <a:bodyPr/>
+          <a:lstStyle/>
+          <a:p>
+            <a:r>
+              <a:rPr lang="en-ZA" dirty="0" smtClean="0"/>
+              <a:t>Concept Art</a:t>
+            </a:r>
+            <a:endParaRPr lang="en-GB" dirty="0"/>
+          </a:p>
+        </p:txBody>
+      </p:sp>
+      <p:pic>
+        <p:nvPicPr>
+          <p:cNvPr id="4" name="Picture 2" descr="C:\Users\Innervate316\Desktop\Concept Art.jpg"/>
+          <p:cNvPicPr>
+            <a:picLocks noChangeAspect="1" noChangeArrowheads="1"/>
+          </p:cNvPicPr>
+          <p:nvPr/>
+        </p:nvPicPr>
+        <p:blipFill>
+          <a:blip r:embed="rId2">
+            <a:extLst>
+              <a:ext uri="{28A0092B-C50C-407E-A947-70E740481C1C}">
+                <a14:useLocalDpi xmlns:a14="http://schemas.microsoft.com/office/drawing/2010/main" val="0"/>
+              </a:ext>
+            </a:extLst>
+          </a:blip>
+          <a:srcRect/>
+          <a:stretch>
+            <a:fillRect/>
+          </a:stretch>
+        </p:blipFill>
+        <p:spPr bwMode="auto">
+          <a:xfrm>
+            <a:off x="1923691" y="1447800"/>
+            <a:ext cx="5346639" cy="4419600"/>
+          </a:xfrm>
+          <a:prstGeom prst="rect">
+            <a:avLst/>
+          </a:prstGeom>
+          <a:noFill/>
+          <a:extLst>
+            <a:ext uri="{909E8E84-426E-40DD-AFC4-6F175D3DCCD1}">
+              <a14:hiddenFill xmlns:a14="http://schemas.microsoft.com/office/drawing/2010/main">
+                <a:solidFill>
+                  <a:srgbClr val="FFFFFF"/>
+                </a:solidFill>
+              </a14:hiddenFill>
+            </a:ext>
+          </a:extLst>
+        </p:spPr>
+      </p:pic>
+      <p:cxnSp>
+        <p:nvCxnSpPr>
+          <p:cNvPr id="6" name="Straight Arrow Connector 5"/>
+          <p:cNvCxnSpPr/>
+          <p:nvPr/>
+        </p:nvCxnSpPr>
+        <p:spPr>
+          <a:xfrm flipV="1">
+            <a:off x="6786113" y="5162729"/>
+            <a:ext cx="838200" cy="533400"/>
+          </a:xfrm>
+          <a:prstGeom prst="straightConnector1">
+            <a:avLst/>
+          </a:prstGeom>
+          <a:ln>
+            <a:tailEnd type="arrow"/>
+          </a:ln>
+        </p:spPr>
+        <p:style>
+          <a:lnRef idx="1">
+            <a:schemeClr val="accent1"/>
+          </a:lnRef>
+          <a:fillRef idx="0">
+            <a:schemeClr val="accent1"/>
+          </a:fillRef>
+          <a:effectRef idx="0">
+            <a:schemeClr val="accent1"/>
+          </a:effectRef>
+          <a:fontRef idx="minor">
+            <a:schemeClr val="tx1"/>
+          </a:fontRef>
+        </p:style>
+      </p:cxnSp>
+      <p:sp>
+        <p:nvSpPr>
+          <p:cNvPr id="7" name="TextBox 6"/>
+          <p:cNvSpPr txBox="1"/>
+          <p:nvPr/>
+        </p:nvSpPr>
+        <p:spPr>
+          <a:xfrm>
+            <a:off x="7620000" y="4495800"/>
+            <a:ext cx="1219200" cy="1754326"/>
+          </a:xfrm>
+          <a:prstGeom prst="rect">
+            <a:avLst/>
+          </a:prstGeom>
+          <a:noFill/>
+        </p:spPr>
+        <p:txBody>
+          <a:bodyPr wrap="square" rtlCol="0">
+            <a:spAutoFit/>
+          </a:bodyPr>
+          <a:lstStyle/>
+          <a:p>
+            <a:r>
+              <a:rPr lang="en-ZA" dirty="0" smtClean="0"/>
+              <a:t>Grey Area: Player movement Area (left/right/jump)</a:t>
+            </a:r>
+          </a:p>
+        </p:txBody>
+      </p:sp>
+      <p:cxnSp>
+        <p:nvCxnSpPr>
+          <p:cNvPr id="9" name="Straight Arrow Connector 8"/>
+          <p:cNvCxnSpPr>
+            <a:endCxn id="13" idx="1"/>
+          </p:cNvCxnSpPr>
+          <p:nvPr/>
+        </p:nvCxnSpPr>
+        <p:spPr>
+          <a:xfrm flipV="1">
+            <a:off x="5257800" y="2352765"/>
+            <a:ext cx="2438400" cy="695235"/>
+          </a:xfrm>
+          <a:prstGeom prst="straightConnector1">
+            <a:avLst/>
+          </a:prstGeom>
+          <a:ln>
+            <a:tailEnd type="arrow"/>
+          </a:ln>
+        </p:spPr>
+        <p:style>
+          <a:lnRef idx="1">
+            <a:schemeClr val="accent1"/>
+          </a:lnRef>
+          <a:fillRef idx="0">
+            <a:schemeClr val="accent1"/>
+          </a:fillRef>
+          <a:effectRef idx="0">
+            <a:schemeClr val="accent1"/>
+          </a:effectRef>
+          <a:fontRef idx="minor">
+            <a:schemeClr val="tx1"/>
+          </a:fontRef>
+        </p:style>
+      </p:cxnSp>
+      <p:cxnSp>
+        <p:nvCxnSpPr>
+          <p:cNvPr id="10" name="Straight Arrow Connector 9"/>
+          <p:cNvCxnSpPr>
+            <a:endCxn id="13" idx="1"/>
+          </p:cNvCxnSpPr>
+          <p:nvPr/>
+        </p:nvCxnSpPr>
+        <p:spPr>
+          <a:xfrm flipV="1">
+            <a:off x="6324600" y="2352765"/>
+            <a:ext cx="1371600" cy="619035"/>
+          </a:xfrm>
+          <a:prstGeom prst="straightConnector1">
+            <a:avLst/>
+          </a:prstGeom>
+          <a:ln>
+            <a:tailEnd type="arrow"/>
+          </a:ln>
+        </p:spPr>
+        <p:style>
+          <a:lnRef idx="1">
+            <a:schemeClr val="accent1"/>
+          </a:lnRef>
+          <a:fillRef idx="0">
+            <a:schemeClr val="accent1"/>
+          </a:fillRef>
+          <a:effectRef idx="0">
+            <a:schemeClr val="accent1"/>
+          </a:effectRef>
+          <a:fontRef idx="minor">
+            <a:schemeClr val="tx1"/>
+          </a:fontRef>
+        </p:style>
+      </p:cxnSp>
+      <p:sp>
+        <p:nvSpPr>
+          <p:cNvPr id="13" name="TextBox 12"/>
+          <p:cNvSpPr txBox="1"/>
+          <p:nvPr/>
+        </p:nvSpPr>
+        <p:spPr>
+          <a:xfrm>
+            <a:off x="7696200" y="1752600"/>
+            <a:ext cx="1447800" cy="1200329"/>
+          </a:xfrm>
+          <a:prstGeom prst="rect">
+            <a:avLst/>
+          </a:prstGeom>
+          <a:noFill/>
+        </p:spPr>
+        <p:txBody>
+          <a:bodyPr wrap="square" rtlCol="0">
+            <a:spAutoFit/>
+          </a:bodyPr>
+          <a:lstStyle/>
+          <a:p>
+            <a:r>
+              <a:rPr lang="en-ZA" dirty="0" smtClean="0"/>
+              <a:t>Combination of flying and ground enemies</a:t>
+            </a:r>
+            <a:endParaRPr lang="en-GB" dirty="0"/>
+          </a:p>
+        </p:txBody>
+      </p:sp>
+      <p:sp>
+        <p:nvSpPr>
+          <p:cNvPr id="17" name="Moon 16"/>
+          <p:cNvSpPr/>
+          <p:nvPr/>
+        </p:nvSpPr>
+        <p:spPr>
+          <a:xfrm rot="18115895" flipH="1">
+            <a:off x="4361126" y="3163720"/>
+            <a:ext cx="122138" cy="1395274"/>
+          </a:xfrm>
+          <a:prstGeom prst="moon">
+            <a:avLst/>
+          </a:prstGeom>
+          <a:solidFill>
+            <a:schemeClr val="bg2"/>
+          </a:solidFill>
+          <a:ln>
+            <a:solidFill>
+              <a:schemeClr val="bg1"/>
+            </a:solidFill>
+          </a:ln>
+        </p:spPr>
+        <p:style>
+          <a:lnRef idx="2">
+            <a:schemeClr val="accent1">
+              <a:shade val="50000"/>
+            </a:schemeClr>
+          </a:lnRef>
+          <a:fillRef idx="1">
+            <a:schemeClr val="accent1"/>
+          </a:fillRef>
+          <a:effectRef idx="0">
+            <a:schemeClr val="accent1"/>
+          </a:effectRef>
+          <a:fontRef idx="minor">
+            <a:schemeClr val="lt1"/>
+          </a:fontRef>
+        </p:style>
+        <p:txBody>
+          <a:bodyPr rtlCol="0" anchor="ctr"/>
+          <a:lstStyle/>
+          <a:p>
+            <a:pPr algn="ctr"/>
+            <a:endParaRPr lang="en-GB"/>
+          </a:p>
+        </p:txBody>
+      </p:sp>
+      <p:cxnSp>
+        <p:nvCxnSpPr>
+          <p:cNvPr id="18" name="Straight Arrow Connector 17"/>
+          <p:cNvCxnSpPr>
+            <a:stCxn id="17" idx="3"/>
+            <a:endCxn id="21" idx="3"/>
+          </p:cNvCxnSpPr>
+          <p:nvPr/>
+        </p:nvCxnSpPr>
+        <p:spPr>
+          <a:xfrm flipH="1">
+            <a:off x="1676400" y="3861357"/>
+            <a:ext cx="2745795" cy="190326"/>
+          </a:xfrm>
+          <a:prstGeom prst="straightConnector1">
+            <a:avLst/>
+          </a:prstGeom>
+          <a:ln>
+            <a:tailEnd type="arrow"/>
+          </a:ln>
+        </p:spPr>
+        <p:style>
+          <a:lnRef idx="1">
+            <a:schemeClr val="accent1"/>
+          </a:lnRef>
+          <a:fillRef idx="0">
+            <a:schemeClr val="accent1"/>
+          </a:fillRef>
+          <a:effectRef idx="0">
+            <a:schemeClr val="accent1"/>
+          </a:effectRef>
+          <a:fontRef idx="minor">
+            <a:schemeClr val="tx1"/>
+          </a:fontRef>
+        </p:style>
+      </p:cxnSp>
+      <p:sp>
+        <p:nvSpPr>
+          <p:cNvPr id="21" name="TextBox 20"/>
+          <p:cNvSpPr txBox="1"/>
+          <p:nvPr/>
+        </p:nvSpPr>
+        <p:spPr>
+          <a:xfrm>
+            <a:off x="76200" y="3174520"/>
+            <a:ext cx="1600200" cy="1754326"/>
+          </a:xfrm>
+          <a:prstGeom prst="rect">
+            <a:avLst/>
+          </a:prstGeom>
+          <a:noFill/>
+        </p:spPr>
+        <p:txBody>
+          <a:bodyPr wrap="square" rtlCol="0">
+            <a:spAutoFit/>
+          </a:bodyPr>
+          <a:lstStyle/>
+          <a:p>
+            <a:r>
+              <a:rPr lang="en-ZA" dirty="0" smtClean="0"/>
+              <a:t>Player swipes area to cut, or tap to fire projectile, destroying the enemies.</a:t>
+            </a:r>
+            <a:endParaRPr lang="en-GB" dirty="0"/>
+          </a:p>
+        </p:txBody>
+      </p:sp>
+      <p:sp>
+        <p:nvSpPr>
+          <p:cNvPr id="22" name="Oval 21"/>
+          <p:cNvSpPr/>
+          <p:nvPr/>
+        </p:nvSpPr>
+        <p:spPr>
+          <a:xfrm>
+            <a:off x="2592956" y="2146538"/>
+            <a:ext cx="226444" cy="206227"/>
+          </a:xfrm>
+          <a:prstGeom prst="ellipse">
+            <a:avLst/>
+          </a:prstGeom>
+          <a:solidFill>
+            <a:schemeClr val="bg1"/>
+          </a:solidFill>
+          <a:ln>
+            <a:solidFill>
+              <a:schemeClr val="bg1"/>
+            </a:solidFill>
+          </a:ln>
+        </p:spPr>
+        <p:style>
+          <a:lnRef idx="2">
+            <a:schemeClr val="accent1">
+              <a:shade val="50000"/>
+            </a:schemeClr>
+          </a:lnRef>
+          <a:fillRef idx="1">
+            <a:schemeClr val="accent1"/>
+          </a:fillRef>
+          <a:effectRef idx="0">
+            <a:schemeClr val="accent1"/>
+          </a:effectRef>
+          <a:fontRef idx="minor">
+            <a:schemeClr val="lt1"/>
+          </a:fontRef>
+        </p:style>
+        <p:txBody>
+          <a:bodyPr rtlCol="0" anchor="ctr"/>
+          <a:lstStyle/>
+          <a:p>
+            <a:pPr algn="ctr"/>
+            <a:endParaRPr lang="en-GB"/>
+          </a:p>
+        </p:txBody>
+      </p:sp>
+      <p:cxnSp>
+        <p:nvCxnSpPr>
+          <p:cNvPr id="24" name="Straight Arrow Connector 23"/>
+          <p:cNvCxnSpPr>
+            <a:endCxn id="21" idx="3"/>
+          </p:cNvCxnSpPr>
+          <p:nvPr/>
+        </p:nvCxnSpPr>
+        <p:spPr>
+          <a:xfrm flipH="1">
+            <a:off x="1676400" y="2352765"/>
+            <a:ext cx="1000304" cy="1698918"/>
+          </a:xfrm>
+          <a:prstGeom prst="straightConnector1">
+            <a:avLst/>
+          </a:prstGeom>
+          <a:ln>
+            <a:tailEnd type="arrow"/>
+          </a:ln>
+        </p:spPr>
+        <p:style>
+          <a:lnRef idx="1">
+            <a:schemeClr val="accent1"/>
+          </a:lnRef>
+          <a:fillRef idx="0">
+            <a:schemeClr val="accent1"/>
+          </a:fillRef>
+          <a:effectRef idx="0">
+            <a:schemeClr val="accent1"/>
+          </a:effectRef>
+          <a:fontRef idx="minor">
+            <a:schemeClr val="tx1"/>
+          </a:fontRef>
+        </p:style>
+      </p:cxnSp>
+      <p:cxnSp>
+        <p:nvCxnSpPr>
+          <p:cNvPr id="31" name="Straight Arrow Connector 30"/>
+          <p:cNvCxnSpPr>
+            <a:endCxn id="33" idx="3"/>
+          </p:cNvCxnSpPr>
+          <p:nvPr/>
+        </p:nvCxnSpPr>
+        <p:spPr>
+          <a:xfrm flipH="1" flipV="1">
+            <a:off x="1447800" y="1823373"/>
+            <a:ext cx="2898176" cy="319664"/>
+          </a:xfrm>
+          <a:prstGeom prst="straightConnector1">
+            <a:avLst/>
+          </a:prstGeom>
+          <a:ln>
+            <a:tailEnd type="arrow"/>
+          </a:ln>
+        </p:spPr>
+        <p:style>
+          <a:lnRef idx="1">
+            <a:schemeClr val="accent1"/>
+          </a:lnRef>
+          <a:fillRef idx="0">
+            <a:schemeClr val="accent1"/>
+          </a:fillRef>
+          <a:effectRef idx="0">
+            <a:schemeClr val="accent1"/>
+          </a:effectRef>
+          <a:fontRef idx="minor">
+            <a:schemeClr val="tx1"/>
+          </a:fontRef>
+        </p:style>
+      </p:cxnSp>
+      <p:sp>
+        <p:nvSpPr>
+          <p:cNvPr id="33" name="TextBox 32"/>
+          <p:cNvSpPr txBox="1"/>
+          <p:nvPr/>
+        </p:nvSpPr>
+        <p:spPr>
+          <a:xfrm>
+            <a:off x="76200" y="1500207"/>
+            <a:ext cx="1371600" cy="646331"/>
+          </a:xfrm>
+          <a:prstGeom prst="rect">
+            <a:avLst/>
+          </a:prstGeom>
+          <a:noFill/>
+        </p:spPr>
+        <p:txBody>
+          <a:bodyPr wrap="square" rtlCol="0">
+            <a:spAutoFit/>
+          </a:bodyPr>
+          <a:lstStyle/>
+          <a:p>
+            <a:r>
+              <a:rPr lang="en-ZA" dirty="0" smtClean="0"/>
+              <a:t>Final Boss of the stage</a:t>
+            </a:r>
+            <a:endParaRPr lang="en-GB" dirty="0"/>
+          </a:p>
+        </p:txBody>
+      </p:sp>
+    </p:spTree>
+    <p:extLst>
+      <p:ext uri="{BB962C8B-B14F-4D97-AF65-F5344CB8AC3E}">
+        <p14:creationId xmlns:p14="http://schemas.microsoft.com/office/powerpoint/2010/main" val="511169240"/>
+      </p:ext>
+    </p:extLst>
+  </p:cSld>
+  <p:clrMapOvr>
+    <a:masterClrMapping/>
+  </p:clrMapOvr>
+</p:sld>
+</file>
+
+<file path=ppt/slides/slide6.xml><?xml version="1.0" encoding="utf-8"?>
+<p:sld xmlns:a="http://schemas.openxmlformats.org/drawingml/2006/main" xmlns:r="http://schemas.openxmlformats.org/officeDocument/2006/relationships" xmlns:p="http://schemas.openxmlformats.org/presentationml/2006/main">
+  <p:cSld>
+    <p:spTree>
+      <p:nvGrpSpPr>
+        <p:cNvPr id="1" name=""/>
+        <p:cNvGrpSpPr/>
+        <p:nvPr/>
+      </p:nvGrpSpPr>
+      <p:grpSpPr>
+        <a:xfrm>
+          <a:off x="0" y="0"/>
+          <a:ext cx="0" cy="0"/>
+          <a:chOff x="0" y="0"/>
+          <a:chExt cx="0" cy="0"/>
+        </a:xfrm>
+      </p:grpSpPr>
+      <p:sp>
+        <p:nvSpPr>
+          <p:cNvPr id="2" name="Title 1"/>
+          <p:cNvSpPr>
+            <a:spLocks noGrp="1"/>
+          </p:cNvSpPr>
+          <p:nvPr>
+            <p:ph type="title"/>
+          </p:nvPr>
+        </p:nvSpPr>
+        <p:spPr/>
+        <p:txBody>
+          <a:bodyPr/>
+          <a:lstStyle/>
+          <a:p>
+            <a:r>
+              <a:rPr lang="en-ZA" dirty="0" smtClean="0"/>
+              <a:t>Why back it?</a:t>
+            </a:r>
+            <a:endParaRPr lang="en-GB" dirty="0"/>
+          </a:p>
+        </p:txBody>
+      </p:sp>
+      <p:sp>
+        <p:nvSpPr>
+          <p:cNvPr id="3" name="Content Placeholder 2"/>
+          <p:cNvSpPr>
+            <a:spLocks noGrp="1"/>
+          </p:cNvSpPr>
+          <p:nvPr>
+            <p:ph idx="1"/>
+          </p:nvPr>
+        </p:nvSpPr>
+        <p:spPr/>
+        <p:txBody>
+          <a:bodyPr>
+            <a:normAutofit/>
+          </a:bodyPr>
+          <a:lstStyle/>
+          <a:p>
+            <a:r>
+              <a:rPr lang="en-ZA" dirty="0" smtClean="0"/>
+              <a:t>Emphasis on simple storyline, simple gameplay.</a:t>
+            </a:r>
+          </a:p>
+          <a:p>
+            <a:pPr marL="0" indent="0">
+              <a:buNone/>
+            </a:pPr>
+            <a:endParaRPr lang="en-ZA" dirty="0" smtClean="0"/>
+          </a:p>
+          <a:p>
+            <a:r>
+              <a:rPr lang="en-ZA" dirty="0" smtClean="0"/>
+              <a:t>No advantageous benefits via monetary payments.</a:t>
+            </a:r>
+          </a:p>
+          <a:p>
+            <a:pPr marL="0" indent="0">
+              <a:buNone/>
+            </a:pPr>
+            <a:endParaRPr lang="en-ZA" dirty="0" smtClean="0"/>
+          </a:p>
+          <a:p>
+            <a:pPr marL="0" indent="0">
+              <a:buNone/>
+            </a:pPr>
+            <a:endParaRPr lang="en-ZA" dirty="0"/>
+          </a:p>
+          <a:p>
+            <a:endParaRPr lang="en-ZA" dirty="0"/>
+          </a:p>
+          <a:p>
+            <a:endParaRPr lang="en-GB" dirty="0"/>
+          </a:p>
+        </p:txBody>
+      </p:sp>
+    </p:spTree>
+    <p:extLst>
+      <p:ext uri="{BB962C8B-B14F-4D97-AF65-F5344CB8AC3E}">
+        <p14:creationId xmlns:p14="http://schemas.microsoft.com/office/powerpoint/2010/main" val="1228565472"/>
       </p:ext>
     </p:extLst>
   </p:cSld>

--- a/Crystal Maze Disaster.pptx
+++ b/Crystal Maze Disaster.pptx
@@ -6,18 +6,19 @@
     <p:sldMasterId id="2147483804" r:id="rId2"/>
   </p:sldMasterIdLst>
   <p:notesMasterIdLst>
-    <p:notesMasterId r:id="rId12"/>
+    <p:notesMasterId r:id="rId13"/>
   </p:notesMasterIdLst>
   <p:sldIdLst>
     <p:sldId id="256" r:id="rId3"/>
-    <p:sldId id="257" r:id="rId4"/>
-    <p:sldId id="259" r:id="rId5"/>
-    <p:sldId id="260" r:id="rId6"/>
-    <p:sldId id="261" r:id="rId7"/>
-    <p:sldId id="262" r:id="rId8"/>
-    <p:sldId id="258" r:id="rId9"/>
-    <p:sldId id="264" r:id="rId10"/>
-    <p:sldId id="263" r:id="rId11"/>
+    <p:sldId id="265" r:id="rId4"/>
+    <p:sldId id="257" r:id="rId5"/>
+    <p:sldId id="259" r:id="rId6"/>
+    <p:sldId id="260" r:id="rId7"/>
+    <p:sldId id="261" r:id="rId8"/>
+    <p:sldId id="262" r:id="rId9"/>
+    <p:sldId id="258" r:id="rId10"/>
+    <p:sldId id="264" r:id="rId11"/>
+    <p:sldId id="263" r:id="rId12"/>
   </p:sldIdLst>
   <p:sldSz cx="9144000" cy="6858000" type="screen4x3"/>
   <p:notesSz cx="6858000" cy="9144000"/>
@@ -531,7 +532,35 @@
           <a:p>
             <a:r>
               <a:rPr lang="en-GB" dirty="0" smtClean="0"/>
-              <a:t>Here, I give a quick introduction about my name, and proceed to inform the potential investors about my game, Death-</a:t>
+              <a:t>I start</a:t>
+            </a:r>
+            <a:r>
+              <a:rPr lang="en-GB" baseline="0" dirty="0" smtClean="0"/>
+              <a:t> </a:t>
+            </a:r>
+            <a:r>
+              <a:rPr lang="en-GB" dirty="0" smtClean="0"/>
+              <a:t>off the presentation</a:t>
+            </a:r>
+            <a:r>
+              <a:rPr lang="en-GB" baseline="0" dirty="0" smtClean="0"/>
+              <a:t> by </a:t>
+            </a:r>
+            <a:r>
+              <a:rPr lang="en-GB" dirty="0" smtClean="0"/>
+              <a:t>giving </a:t>
+            </a:r>
+            <a:r>
+              <a:rPr lang="en-GB" dirty="0" smtClean="0"/>
+              <a:t>a quick introduction about </a:t>
+            </a:r>
+            <a:r>
+              <a:rPr lang="en-GB" dirty="0" smtClean="0"/>
+              <a:t>myself, </a:t>
+            </a:r>
+            <a:r>
+              <a:rPr lang="en-GB" dirty="0" smtClean="0"/>
+              <a:t>and proceed to inform the potential investors about my game, Death-</a:t>
             </a:r>
             <a:r>
               <a:rPr lang="en-GB" dirty="0" err="1" smtClean="0"/>
@@ -572,6 +601,90 @@
     <p:extLst>
       <p:ext uri="{BB962C8B-B14F-4D97-AF65-F5344CB8AC3E}">
         <p14:creationId xmlns:p14="http://schemas.microsoft.com/office/powerpoint/2010/main" val="1639558870"/>
+      </p:ext>
+    </p:extLst>
+  </p:cSld>
+  <p:clrMapOvr>
+    <a:masterClrMapping/>
+  </p:clrMapOvr>
+</p:notes>
+</file>
+
+<file path=ppt/notesSlides/notesSlide10.xml><?xml version="1.0" encoding="utf-8"?>
+<p:notes xmlns:a="http://schemas.openxmlformats.org/drawingml/2006/main" xmlns:r="http://schemas.openxmlformats.org/officeDocument/2006/relationships" xmlns:p="http://schemas.openxmlformats.org/presentationml/2006/main">
+  <p:cSld>
+    <p:spTree>
+      <p:nvGrpSpPr>
+        <p:cNvPr id="1" name=""/>
+        <p:cNvGrpSpPr/>
+        <p:nvPr/>
+      </p:nvGrpSpPr>
+      <p:grpSpPr>
+        <a:xfrm>
+          <a:off x="0" y="0"/>
+          <a:ext cx="0" cy="0"/>
+          <a:chOff x="0" y="0"/>
+          <a:chExt cx="0" cy="0"/>
+        </a:xfrm>
+      </p:grpSpPr>
+      <p:sp>
+        <p:nvSpPr>
+          <p:cNvPr id="2" name="Slide Image Placeholder 1"/>
+          <p:cNvSpPr>
+            <a:spLocks noGrp="1" noRot="1" noChangeAspect="1"/>
+          </p:cNvSpPr>
+          <p:nvPr>
+            <p:ph type="sldImg"/>
+          </p:nvPr>
+        </p:nvSpPr>
+        <p:spPr/>
+      </p:sp>
+      <p:sp>
+        <p:nvSpPr>
+          <p:cNvPr id="3" name="Notes Placeholder 2"/>
+          <p:cNvSpPr>
+            <a:spLocks noGrp="1"/>
+          </p:cNvSpPr>
+          <p:nvPr>
+            <p:ph type="body" idx="1"/>
+          </p:nvPr>
+        </p:nvSpPr>
+        <p:spPr/>
+        <p:txBody>
+          <a:bodyPr/>
+          <a:lstStyle/>
+          <a:p>
+            <a:endParaRPr lang="en-US"/>
+          </a:p>
+        </p:txBody>
+      </p:sp>
+      <p:sp>
+        <p:nvSpPr>
+          <p:cNvPr id="4" name="Slide Number Placeholder 3"/>
+          <p:cNvSpPr>
+            <a:spLocks noGrp="1"/>
+          </p:cNvSpPr>
+          <p:nvPr>
+            <p:ph type="sldNum" sz="quarter" idx="10"/>
+          </p:nvPr>
+        </p:nvSpPr>
+        <p:spPr/>
+        <p:txBody>
+          <a:bodyPr/>
+          <a:lstStyle/>
+          <a:p>
+            <a:fld id="{BD185688-4C40-4E7A-864B-16D3825AF4AF}" type="slidenum">
+              <a:rPr lang="en-GB" smtClean="0"/>
+              <a:t>10</a:t>
+            </a:fld>
+            <a:endParaRPr lang="en-GB"/>
+          </a:p>
+        </p:txBody>
+      </p:sp>
+    </p:spTree>
+    <p:extLst>
+      <p:ext uri="{BB962C8B-B14F-4D97-AF65-F5344CB8AC3E}">
+        <p14:creationId xmlns:p14="http://schemas.microsoft.com/office/powerpoint/2010/main" val="3997607709"/>
       </p:ext>
     </p:extLst>
   </p:cSld>
@@ -626,14 +739,14 @@
           <a:lstStyle/>
           <a:p>
             <a:r>
-              <a:rPr lang="en-GB" dirty="0" smtClean="0"/>
-              <a:t>I</a:t>
-            </a:r>
-            <a:r>
-              <a:rPr lang="en-GB" baseline="0" dirty="0" smtClean="0"/>
-              <a:t> explain briefly about how I wish to create a game that is easy to play with one hand, feels fast and fluid and has linear style progression with combat mechanics.</a:t>
-            </a:r>
-            <a:endParaRPr lang="en-GB" dirty="0"/>
+              <a:rPr lang="en-US" dirty="0" smtClean="0"/>
+              <a:t>I explain what the</a:t>
+            </a:r>
+            <a:r>
+              <a:rPr lang="en-US" baseline="0" dirty="0" smtClean="0"/>
+              <a:t> project is going to consist of, whilst giving the basic idea to investors what the basic fundamentals are which could potentially outshine competition. I would let the investors know that I will go into further detail regarding the concept art.</a:t>
+            </a:r>
+            <a:endParaRPr lang="en-US" dirty="0"/>
           </a:p>
         </p:txBody>
       </p:sp>
@@ -663,7 +776,7 @@
     </p:spTree>
     <p:extLst>
       <p:ext uri="{BB962C8B-B14F-4D97-AF65-F5344CB8AC3E}">
-        <p14:creationId xmlns:p14="http://schemas.microsoft.com/office/powerpoint/2010/main" val="2023900916"/>
+        <p14:creationId xmlns:p14="http://schemas.microsoft.com/office/powerpoint/2010/main" val="2785369034"/>
       </p:ext>
     </p:extLst>
   </p:cSld>
@@ -719,6 +832,118 @@
           <a:p>
             <a:r>
               <a:rPr lang="en-GB" dirty="0" smtClean="0"/>
+              <a:t>I</a:t>
+            </a:r>
+            <a:r>
+              <a:rPr lang="en-GB" baseline="0" dirty="0" smtClean="0"/>
+              <a:t> explain briefly about how I wish to create a game that is easy to play with one hand, feels fast and fluid and has linear style progression with combat mechanics</a:t>
+            </a:r>
+            <a:r>
+              <a:rPr lang="en-GB" baseline="0" dirty="0" smtClean="0"/>
+              <a:t>. The current lack of true-action on-rail mobile games on mobile is lacking, and action games on mobile generally require a long and steep learning curve that some mobile gamers refuse to learn. ( For Reference, </a:t>
+            </a:r>
+            <a:r>
+              <a:rPr lang="en-US" sz="1200" b="1" i="0" kern="1200" dirty="0" smtClean="0">
+                <a:solidFill>
+                  <a:schemeClr val="tx1"/>
+                </a:solidFill>
+                <a:effectLst/>
+                <a:latin typeface="+mn-lt"/>
+                <a:ea typeface="+mn-ea"/>
+                <a:cs typeface="+mn-cs"/>
+              </a:rPr>
+              <a:t>http://tinyurl.com/o3ywx2b</a:t>
+            </a:r>
+            <a:r>
+              <a:rPr lang="en-GB" baseline="0" dirty="0" smtClean="0"/>
+              <a:t>)</a:t>
+            </a:r>
+            <a:endParaRPr lang="en-GB" dirty="0"/>
+          </a:p>
+        </p:txBody>
+      </p:sp>
+      <p:sp>
+        <p:nvSpPr>
+          <p:cNvPr id="4" name="Slide Number Placeholder 3"/>
+          <p:cNvSpPr>
+            <a:spLocks noGrp="1"/>
+          </p:cNvSpPr>
+          <p:nvPr>
+            <p:ph type="sldNum" sz="quarter" idx="10"/>
+          </p:nvPr>
+        </p:nvSpPr>
+        <p:spPr/>
+        <p:txBody>
+          <a:bodyPr/>
+          <a:lstStyle/>
+          <a:p>
+            <a:fld id="{BD185688-4C40-4E7A-864B-16D3825AF4AF}" type="slidenum">
+              <a:rPr lang="en-GB" smtClean="0"/>
+              <a:t>3</a:t>
+            </a:fld>
+            <a:endParaRPr lang="en-GB"/>
+          </a:p>
+        </p:txBody>
+      </p:sp>
+    </p:spTree>
+    <p:extLst>
+      <p:ext uri="{BB962C8B-B14F-4D97-AF65-F5344CB8AC3E}">
+        <p14:creationId xmlns:p14="http://schemas.microsoft.com/office/powerpoint/2010/main" val="2023900916"/>
+      </p:ext>
+    </p:extLst>
+  </p:cSld>
+  <p:clrMapOvr>
+    <a:masterClrMapping/>
+  </p:clrMapOvr>
+</p:notes>
+</file>
+
+<file path=ppt/notesSlides/notesSlide4.xml><?xml version="1.0" encoding="utf-8"?>
+<p:notes xmlns:a="http://schemas.openxmlformats.org/drawingml/2006/main" xmlns:r="http://schemas.openxmlformats.org/officeDocument/2006/relationships" xmlns:p="http://schemas.openxmlformats.org/presentationml/2006/main">
+  <p:cSld>
+    <p:spTree>
+      <p:nvGrpSpPr>
+        <p:cNvPr id="1" name=""/>
+        <p:cNvGrpSpPr/>
+        <p:nvPr/>
+      </p:nvGrpSpPr>
+      <p:grpSpPr>
+        <a:xfrm>
+          <a:off x="0" y="0"/>
+          <a:ext cx="0" cy="0"/>
+          <a:chOff x="0" y="0"/>
+          <a:chExt cx="0" cy="0"/>
+        </a:xfrm>
+      </p:grpSpPr>
+      <p:sp>
+        <p:nvSpPr>
+          <p:cNvPr id="2" name="Slide Image Placeholder 1"/>
+          <p:cNvSpPr>
+            <a:spLocks noGrp="1" noRot="1" noChangeAspect="1"/>
+          </p:cNvSpPr>
+          <p:nvPr>
+            <p:ph type="sldImg"/>
+          </p:nvPr>
+        </p:nvSpPr>
+        <p:spPr/>
+      </p:sp>
+      <p:sp>
+        <p:nvSpPr>
+          <p:cNvPr id="3" name="Notes Placeholder 2"/>
+          <p:cNvSpPr>
+            <a:spLocks noGrp="1"/>
+          </p:cNvSpPr>
+          <p:nvPr>
+            <p:ph type="body" idx="1"/>
+          </p:nvPr>
+        </p:nvSpPr>
+        <p:spPr/>
+        <p:txBody>
+          <a:bodyPr/>
+          <a:lstStyle/>
+          <a:p>
+            <a:r>
+              <a:rPr lang="en-GB" dirty="0" smtClean="0"/>
               <a:t>I would give a brief explanation</a:t>
             </a:r>
             <a:r>
@@ -762,7 +987,7 @@
           <a:p>
             <a:fld id="{BD185688-4C40-4E7A-864B-16D3825AF4AF}" type="slidenum">
               <a:rPr lang="en-GB" smtClean="0"/>
-              <a:t>3</a:t>
+              <a:t>4</a:t>
             </a:fld>
             <a:endParaRPr lang="en-GB"/>
           </a:p>
@@ -772,6 +997,466 @@
     <p:extLst>
       <p:ext uri="{BB962C8B-B14F-4D97-AF65-F5344CB8AC3E}">
         <p14:creationId xmlns:p14="http://schemas.microsoft.com/office/powerpoint/2010/main" val="4162663266"/>
+      </p:ext>
+    </p:extLst>
+  </p:cSld>
+  <p:clrMapOvr>
+    <a:masterClrMapping/>
+  </p:clrMapOvr>
+</p:notes>
+</file>
+
+<file path=ppt/notesSlides/notesSlide5.xml><?xml version="1.0" encoding="utf-8"?>
+<p:notes xmlns:a="http://schemas.openxmlformats.org/drawingml/2006/main" xmlns:r="http://schemas.openxmlformats.org/officeDocument/2006/relationships" xmlns:p="http://schemas.openxmlformats.org/presentationml/2006/main">
+  <p:cSld>
+    <p:spTree>
+      <p:nvGrpSpPr>
+        <p:cNvPr id="1" name=""/>
+        <p:cNvGrpSpPr/>
+        <p:nvPr/>
+      </p:nvGrpSpPr>
+      <p:grpSpPr>
+        <a:xfrm>
+          <a:off x="0" y="0"/>
+          <a:ext cx="0" cy="0"/>
+          <a:chOff x="0" y="0"/>
+          <a:chExt cx="0" cy="0"/>
+        </a:xfrm>
+      </p:grpSpPr>
+      <p:sp>
+        <p:nvSpPr>
+          <p:cNvPr id="2" name="Slide Image Placeholder 1"/>
+          <p:cNvSpPr>
+            <a:spLocks noGrp="1" noRot="1" noChangeAspect="1"/>
+          </p:cNvSpPr>
+          <p:nvPr>
+            <p:ph type="sldImg"/>
+          </p:nvPr>
+        </p:nvSpPr>
+        <p:spPr/>
+      </p:sp>
+      <p:sp>
+        <p:nvSpPr>
+          <p:cNvPr id="3" name="Notes Placeholder 2"/>
+          <p:cNvSpPr>
+            <a:spLocks noGrp="1"/>
+          </p:cNvSpPr>
+          <p:nvPr>
+            <p:ph type="body" idx="1"/>
+          </p:nvPr>
+        </p:nvSpPr>
+        <p:spPr/>
+        <p:txBody>
+          <a:bodyPr/>
+          <a:lstStyle/>
+          <a:p>
+            <a:r>
+              <a:rPr lang="en-US" dirty="0" smtClean="0"/>
+              <a:t>I further emphasize that the gameplay is a crucial part to the game, convenience to</a:t>
+            </a:r>
+            <a:r>
+              <a:rPr lang="en-US" baseline="0" dirty="0" smtClean="0"/>
+              <a:t> play it coming to a close second.  I would point out that having a simple gameplay mechanic and learning curve whilst showing off appealing in game aesthetics and control is a factor that can influence your game’s popularity </a:t>
+            </a:r>
+            <a:r>
+              <a:rPr lang="en-US" baseline="0" smtClean="0"/>
+              <a:t>and longetiviity</a:t>
+            </a:r>
+            <a:r>
+              <a:rPr lang="en-US" baseline="0" dirty="0" smtClean="0"/>
+              <a:t>.</a:t>
+            </a:r>
+            <a:endParaRPr lang="en-US" dirty="0"/>
+          </a:p>
+        </p:txBody>
+      </p:sp>
+      <p:sp>
+        <p:nvSpPr>
+          <p:cNvPr id="4" name="Slide Number Placeholder 3"/>
+          <p:cNvSpPr>
+            <a:spLocks noGrp="1"/>
+          </p:cNvSpPr>
+          <p:nvPr>
+            <p:ph type="sldNum" sz="quarter" idx="10"/>
+          </p:nvPr>
+        </p:nvSpPr>
+        <p:spPr/>
+        <p:txBody>
+          <a:bodyPr/>
+          <a:lstStyle/>
+          <a:p>
+            <a:fld id="{BD185688-4C40-4E7A-864B-16D3825AF4AF}" type="slidenum">
+              <a:rPr lang="en-GB" smtClean="0"/>
+              <a:t>5</a:t>
+            </a:fld>
+            <a:endParaRPr lang="en-GB"/>
+          </a:p>
+        </p:txBody>
+      </p:sp>
+    </p:spTree>
+    <p:extLst>
+      <p:ext uri="{BB962C8B-B14F-4D97-AF65-F5344CB8AC3E}">
+        <p14:creationId xmlns:p14="http://schemas.microsoft.com/office/powerpoint/2010/main" val="461070526"/>
+      </p:ext>
+    </p:extLst>
+  </p:cSld>
+  <p:clrMapOvr>
+    <a:masterClrMapping/>
+  </p:clrMapOvr>
+</p:notes>
+</file>
+
+<file path=ppt/notesSlides/notesSlide6.xml><?xml version="1.0" encoding="utf-8"?>
+<p:notes xmlns:a="http://schemas.openxmlformats.org/drawingml/2006/main" xmlns:r="http://schemas.openxmlformats.org/officeDocument/2006/relationships" xmlns:p="http://schemas.openxmlformats.org/presentationml/2006/main">
+  <p:cSld>
+    <p:spTree>
+      <p:nvGrpSpPr>
+        <p:cNvPr id="1" name=""/>
+        <p:cNvGrpSpPr/>
+        <p:nvPr/>
+      </p:nvGrpSpPr>
+      <p:grpSpPr>
+        <a:xfrm>
+          <a:off x="0" y="0"/>
+          <a:ext cx="0" cy="0"/>
+          <a:chOff x="0" y="0"/>
+          <a:chExt cx="0" cy="0"/>
+        </a:xfrm>
+      </p:grpSpPr>
+      <p:sp>
+        <p:nvSpPr>
+          <p:cNvPr id="2" name="Slide Image Placeholder 1"/>
+          <p:cNvSpPr>
+            <a:spLocks noGrp="1" noRot="1" noChangeAspect="1"/>
+          </p:cNvSpPr>
+          <p:nvPr>
+            <p:ph type="sldImg"/>
+          </p:nvPr>
+        </p:nvSpPr>
+        <p:spPr/>
+      </p:sp>
+      <p:sp>
+        <p:nvSpPr>
+          <p:cNvPr id="3" name="Notes Placeholder 2"/>
+          <p:cNvSpPr>
+            <a:spLocks noGrp="1"/>
+          </p:cNvSpPr>
+          <p:nvPr>
+            <p:ph type="body" idx="1"/>
+          </p:nvPr>
+        </p:nvSpPr>
+        <p:spPr/>
+        <p:txBody>
+          <a:bodyPr/>
+          <a:lstStyle/>
+          <a:p>
+            <a:r>
+              <a:rPr lang="en-US" dirty="0" smtClean="0"/>
+              <a:t>For this concept slide, I would go</a:t>
+            </a:r>
+            <a:r>
+              <a:rPr lang="en-US" baseline="0" dirty="0" smtClean="0"/>
+              <a:t> into detail and </a:t>
+            </a:r>
+            <a:r>
+              <a:rPr lang="en-US" dirty="0" smtClean="0"/>
+              <a:t>point out each specific element of the concept screenshot shown earlier</a:t>
+            </a:r>
+            <a:r>
+              <a:rPr lang="en-US" baseline="0" dirty="0" smtClean="0"/>
+              <a:t>, primarily what each pointed object and element on the screenshot points towards.</a:t>
+            </a:r>
+            <a:endParaRPr lang="en-US" dirty="0"/>
+          </a:p>
+        </p:txBody>
+      </p:sp>
+      <p:sp>
+        <p:nvSpPr>
+          <p:cNvPr id="4" name="Slide Number Placeholder 3"/>
+          <p:cNvSpPr>
+            <a:spLocks noGrp="1"/>
+          </p:cNvSpPr>
+          <p:nvPr>
+            <p:ph type="sldNum" sz="quarter" idx="10"/>
+          </p:nvPr>
+        </p:nvSpPr>
+        <p:spPr/>
+        <p:txBody>
+          <a:bodyPr/>
+          <a:lstStyle/>
+          <a:p>
+            <a:fld id="{BD185688-4C40-4E7A-864B-16D3825AF4AF}" type="slidenum">
+              <a:rPr lang="en-GB" smtClean="0"/>
+              <a:t>6</a:t>
+            </a:fld>
+            <a:endParaRPr lang="en-GB"/>
+          </a:p>
+        </p:txBody>
+      </p:sp>
+    </p:spTree>
+    <p:extLst>
+      <p:ext uri="{BB962C8B-B14F-4D97-AF65-F5344CB8AC3E}">
+        <p14:creationId xmlns:p14="http://schemas.microsoft.com/office/powerpoint/2010/main" val="220609207"/>
+      </p:ext>
+    </p:extLst>
+  </p:cSld>
+  <p:clrMapOvr>
+    <a:masterClrMapping/>
+  </p:clrMapOvr>
+</p:notes>
+</file>
+
+<file path=ppt/notesSlides/notesSlide7.xml><?xml version="1.0" encoding="utf-8"?>
+<p:notes xmlns:a="http://schemas.openxmlformats.org/drawingml/2006/main" xmlns:r="http://schemas.openxmlformats.org/officeDocument/2006/relationships" xmlns:p="http://schemas.openxmlformats.org/presentationml/2006/main">
+  <p:cSld>
+    <p:spTree>
+      <p:nvGrpSpPr>
+        <p:cNvPr id="1" name=""/>
+        <p:cNvGrpSpPr/>
+        <p:nvPr/>
+      </p:nvGrpSpPr>
+      <p:grpSpPr>
+        <a:xfrm>
+          <a:off x="0" y="0"/>
+          <a:ext cx="0" cy="0"/>
+          <a:chOff x="0" y="0"/>
+          <a:chExt cx="0" cy="0"/>
+        </a:xfrm>
+      </p:grpSpPr>
+      <p:sp>
+        <p:nvSpPr>
+          <p:cNvPr id="2" name="Slide Image Placeholder 1"/>
+          <p:cNvSpPr>
+            <a:spLocks noGrp="1" noRot="1" noChangeAspect="1"/>
+          </p:cNvSpPr>
+          <p:nvPr>
+            <p:ph type="sldImg"/>
+          </p:nvPr>
+        </p:nvSpPr>
+        <p:spPr/>
+      </p:sp>
+      <p:sp>
+        <p:nvSpPr>
+          <p:cNvPr id="3" name="Notes Placeholder 2"/>
+          <p:cNvSpPr>
+            <a:spLocks noGrp="1"/>
+          </p:cNvSpPr>
+          <p:nvPr>
+            <p:ph type="body" idx="1"/>
+          </p:nvPr>
+        </p:nvSpPr>
+        <p:spPr/>
+        <p:txBody>
+          <a:bodyPr/>
+          <a:lstStyle/>
+          <a:p>
+            <a:r>
+              <a:rPr lang="en-US" dirty="0" smtClean="0"/>
+              <a:t>A</a:t>
+            </a:r>
+            <a:r>
+              <a:rPr lang="en-US" baseline="0" dirty="0" smtClean="0"/>
+              <a:t> potential risk here, being associated as a ‘copy’ of another game. I explain the general gameplay of the rival game, and also the platforms its on. However, I criticize that it is not really true action, as the only combat is sliding down or up to attack via quick time events. The gameplay also feels repetitive after a while, trying to persuade the player to use in-game purchases.</a:t>
+            </a:r>
+            <a:endParaRPr lang="en-US" dirty="0"/>
+          </a:p>
+        </p:txBody>
+      </p:sp>
+      <p:sp>
+        <p:nvSpPr>
+          <p:cNvPr id="4" name="Slide Number Placeholder 3"/>
+          <p:cNvSpPr>
+            <a:spLocks noGrp="1"/>
+          </p:cNvSpPr>
+          <p:nvPr>
+            <p:ph type="sldNum" sz="quarter" idx="10"/>
+          </p:nvPr>
+        </p:nvSpPr>
+        <p:spPr/>
+        <p:txBody>
+          <a:bodyPr/>
+          <a:lstStyle/>
+          <a:p>
+            <a:fld id="{BD185688-4C40-4E7A-864B-16D3825AF4AF}" type="slidenum">
+              <a:rPr lang="en-GB" smtClean="0"/>
+              <a:t>7</a:t>
+            </a:fld>
+            <a:endParaRPr lang="en-GB"/>
+          </a:p>
+        </p:txBody>
+      </p:sp>
+    </p:spTree>
+    <p:extLst>
+      <p:ext uri="{BB962C8B-B14F-4D97-AF65-F5344CB8AC3E}">
+        <p14:creationId xmlns:p14="http://schemas.microsoft.com/office/powerpoint/2010/main" val="3425683206"/>
+      </p:ext>
+    </p:extLst>
+  </p:cSld>
+  <p:clrMapOvr>
+    <a:masterClrMapping/>
+  </p:clrMapOvr>
+</p:notes>
+</file>
+
+<file path=ppt/notesSlides/notesSlide8.xml><?xml version="1.0" encoding="utf-8"?>
+<p:notes xmlns:a="http://schemas.openxmlformats.org/drawingml/2006/main" xmlns:r="http://schemas.openxmlformats.org/officeDocument/2006/relationships" xmlns:p="http://schemas.openxmlformats.org/presentationml/2006/main">
+  <p:cSld>
+    <p:spTree>
+      <p:nvGrpSpPr>
+        <p:cNvPr id="1" name=""/>
+        <p:cNvGrpSpPr/>
+        <p:nvPr/>
+      </p:nvGrpSpPr>
+      <p:grpSpPr>
+        <a:xfrm>
+          <a:off x="0" y="0"/>
+          <a:ext cx="0" cy="0"/>
+          <a:chOff x="0" y="0"/>
+          <a:chExt cx="0" cy="0"/>
+        </a:xfrm>
+      </p:grpSpPr>
+      <p:sp>
+        <p:nvSpPr>
+          <p:cNvPr id="2" name="Slide Image Placeholder 1"/>
+          <p:cNvSpPr>
+            <a:spLocks noGrp="1" noRot="1" noChangeAspect="1"/>
+          </p:cNvSpPr>
+          <p:nvPr>
+            <p:ph type="sldImg"/>
+          </p:nvPr>
+        </p:nvSpPr>
+        <p:spPr/>
+      </p:sp>
+      <p:sp>
+        <p:nvSpPr>
+          <p:cNvPr id="3" name="Notes Placeholder 2"/>
+          <p:cNvSpPr>
+            <a:spLocks noGrp="1"/>
+          </p:cNvSpPr>
+          <p:nvPr>
+            <p:ph type="body" idx="1"/>
+          </p:nvPr>
+        </p:nvSpPr>
+        <p:spPr/>
+        <p:txBody>
+          <a:bodyPr/>
+          <a:lstStyle/>
+          <a:p>
+            <a:endParaRPr lang="en-US"/>
+          </a:p>
+        </p:txBody>
+      </p:sp>
+      <p:sp>
+        <p:nvSpPr>
+          <p:cNvPr id="4" name="Slide Number Placeholder 3"/>
+          <p:cNvSpPr>
+            <a:spLocks noGrp="1"/>
+          </p:cNvSpPr>
+          <p:nvPr>
+            <p:ph type="sldNum" sz="quarter" idx="10"/>
+          </p:nvPr>
+        </p:nvSpPr>
+        <p:spPr/>
+        <p:txBody>
+          <a:bodyPr/>
+          <a:lstStyle/>
+          <a:p>
+            <a:fld id="{BD185688-4C40-4E7A-864B-16D3825AF4AF}" type="slidenum">
+              <a:rPr lang="en-GB" smtClean="0"/>
+              <a:t>8</a:t>
+            </a:fld>
+            <a:endParaRPr lang="en-GB"/>
+          </a:p>
+        </p:txBody>
+      </p:sp>
+    </p:spTree>
+    <p:extLst>
+      <p:ext uri="{BB962C8B-B14F-4D97-AF65-F5344CB8AC3E}">
+        <p14:creationId xmlns:p14="http://schemas.microsoft.com/office/powerpoint/2010/main" val="3611032922"/>
+      </p:ext>
+    </p:extLst>
+  </p:cSld>
+  <p:clrMapOvr>
+    <a:masterClrMapping/>
+  </p:clrMapOvr>
+</p:notes>
+</file>
+
+<file path=ppt/notesSlides/notesSlide9.xml><?xml version="1.0" encoding="utf-8"?>
+<p:notes xmlns:a="http://schemas.openxmlformats.org/drawingml/2006/main" xmlns:r="http://schemas.openxmlformats.org/officeDocument/2006/relationships" xmlns:p="http://schemas.openxmlformats.org/presentationml/2006/main">
+  <p:cSld>
+    <p:spTree>
+      <p:nvGrpSpPr>
+        <p:cNvPr id="1" name=""/>
+        <p:cNvGrpSpPr/>
+        <p:nvPr/>
+      </p:nvGrpSpPr>
+      <p:grpSpPr>
+        <a:xfrm>
+          <a:off x="0" y="0"/>
+          <a:ext cx="0" cy="0"/>
+          <a:chOff x="0" y="0"/>
+          <a:chExt cx="0" cy="0"/>
+        </a:xfrm>
+      </p:grpSpPr>
+      <p:sp>
+        <p:nvSpPr>
+          <p:cNvPr id="2" name="Slide Image Placeholder 1"/>
+          <p:cNvSpPr>
+            <a:spLocks noGrp="1" noRot="1" noChangeAspect="1"/>
+          </p:cNvSpPr>
+          <p:nvPr>
+            <p:ph type="sldImg"/>
+          </p:nvPr>
+        </p:nvSpPr>
+        <p:spPr/>
+      </p:sp>
+      <p:sp>
+        <p:nvSpPr>
+          <p:cNvPr id="3" name="Notes Placeholder 2"/>
+          <p:cNvSpPr>
+            <a:spLocks noGrp="1"/>
+          </p:cNvSpPr>
+          <p:nvPr>
+            <p:ph type="body" idx="1"/>
+          </p:nvPr>
+        </p:nvSpPr>
+        <p:spPr/>
+        <p:txBody>
+          <a:bodyPr/>
+          <a:lstStyle/>
+          <a:p>
+            <a:endParaRPr lang="en-US"/>
+          </a:p>
+        </p:txBody>
+      </p:sp>
+      <p:sp>
+        <p:nvSpPr>
+          <p:cNvPr id="4" name="Slide Number Placeholder 3"/>
+          <p:cNvSpPr>
+            <a:spLocks noGrp="1"/>
+          </p:cNvSpPr>
+          <p:nvPr>
+            <p:ph type="sldNum" sz="quarter" idx="10"/>
+          </p:nvPr>
+        </p:nvSpPr>
+        <p:spPr/>
+        <p:txBody>
+          <a:bodyPr/>
+          <a:lstStyle/>
+          <a:p>
+            <a:fld id="{BD185688-4C40-4E7A-864B-16D3825AF4AF}" type="slidenum">
+              <a:rPr lang="en-GB" smtClean="0"/>
+              <a:t>9</a:t>
+            </a:fld>
+            <a:endParaRPr lang="en-GB"/>
+          </a:p>
+        </p:txBody>
+      </p:sp>
+    </p:spTree>
+    <p:extLst>
+      <p:ext uri="{BB962C8B-B14F-4D97-AF65-F5344CB8AC3E}">
+        <p14:creationId xmlns:p14="http://schemas.microsoft.com/office/powerpoint/2010/main" val="3176374093"/>
       </p:ext>
     </p:extLst>
   </p:cSld>
@@ -9703,6 +10388,101 @@
 </p:sld>
 </file>
 
+<file path=ppt/slides/slide10.xml><?xml version="1.0" encoding="utf-8"?>
+<p:sld xmlns:a="http://schemas.openxmlformats.org/drawingml/2006/main" xmlns:r="http://schemas.openxmlformats.org/officeDocument/2006/relationships" xmlns:p="http://schemas.openxmlformats.org/presentationml/2006/main">
+  <p:cSld>
+    <p:spTree>
+      <p:nvGrpSpPr>
+        <p:cNvPr id="1" name=""/>
+        <p:cNvGrpSpPr/>
+        <p:nvPr/>
+      </p:nvGrpSpPr>
+      <p:grpSpPr>
+        <a:xfrm>
+          <a:off x="0" y="0"/>
+          <a:ext cx="0" cy="0"/>
+          <a:chOff x="0" y="0"/>
+          <a:chExt cx="0" cy="0"/>
+        </a:xfrm>
+      </p:grpSpPr>
+      <p:sp>
+        <p:nvSpPr>
+          <p:cNvPr id="2" name="Title 1"/>
+          <p:cNvSpPr>
+            <a:spLocks noGrp="1"/>
+          </p:cNvSpPr>
+          <p:nvPr>
+            <p:ph type="title"/>
+          </p:nvPr>
+        </p:nvSpPr>
+        <p:spPr/>
+        <p:txBody>
+          <a:bodyPr/>
+          <a:lstStyle/>
+          <a:p>
+            <a:r>
+              <a:rPr lang="en-GB" dirty="0" smtClean="0"/>
+              <a:t>Appendix</a:t>
+            </a:r>
+            <a:endParaRPr lang="en-GB" dirty="0"/>
+          </a:p>
+        </p:txBody>
+      </p:sp>
+      <p:sp>
+        <p:nvSpPr>
+          <p:cNvPr id="3" name="Content Placeholder 2"/>
+          <p:cNvSpPr>
+            <a:spLocks noGrp="1"/>
+          </p:cNvSpPr>
+          <p:nvPr>
+            <p:ph idx="1"/>
+          </p:nvPr>
+        </p:nvSpPr>
+        <p:spPr/>
+        <p:txBody>
+          <a:bodyPr/>
+          <a:lstStyle/>
+          <a:p>
+            <a:r>
+              <a:rPr lang="en-GB" dirty="0">
+                <a:hlinkClick r:id="rId3"/>
+              </a:rPr>
+              <a:t>http://androidspin.com/2014/02/06/game-insight-releases-details-upcoming-running-shadow-game</a:t>
+            </a:r>
+            <a:r>
+              <a:rPr lang="en-GB" dirty="0" smtClean="0">
+                <a:hlinkClick r:id="rId3"/>
+              </a:rPr>
+              <a:t>/</a:t>
+            </a:r>
+            <a:r>
+              <a:rPr lang="en-GB" dirty="0" smtClean="0"/>
+              <a:t> - Running Shadow</a:t>
+            </a:r>
+            <a:endParaRPr lang="en-GB" dirty="0"/>
+          </a:p>
+        </p:txBody>
+      </p:sp>
+    </p:spTree>
+    <p:extLst>
+      <p:ext uri="{BB962C8B-B14F-4D97-AF65-F5344CB8AC3E}">
+        <p14:creationId xmlns:p14="http://schemas.microsoft.com/office/powerpoint/2010/main" val="4283773774"/>
+      </p:ext>
+    </p:extLst>
+  </p:cSld>
+  <p:clrMapOvr>
+    <a:masterClrMapping/>
+  </p:clrMapOvr>
+  <p:timing>
+    <p:tnLst>
+      <p:par>
+        <p:cTn id="1" dur="indefinite" restart="never" nodeType="tmRoot"/>
+      </p:par>
+    </p:tnLst>
+  </p:timing>
+</p:sld>
+</file>
+
 <file path=ppt/slides/slide2.xml><?xml version="1.0" encoding="utf-8"?>
 <p:sld xmlns:a="http://schemas.openxmlformats.org/drawingml/2006/main" xmlns:r="http://schemas.openxmlformats.org/officeDocument/2006/relationships" xmlns:p="http://schemas.openxmlformats.org/presentationml/2006/main">
   <p:cSld>
@@ -9720,6 +10500,47 @@
           <a:chExt cx="0" cy="0"/>
         </a:xfrm>
       </p:grpSpPr>
+      <p:pic>
+        <p:nvPicPr>
+          <p:cNvPr id="4" name="Picture 2" descr="C:\Users\Innervate316\Desktop\Concept Art.jpg"/>
+          <p:cNvPicPr>
+            <a:picLocks noChangeAspect="1" noChangeArrowheads="1"/>
+          </p:cNvPicPr>
+          <p:nvPr/>
+        </p:nvPicPr>
+        <p:blipFill>
+          <a:blip r:embed="rId3">
+            <a:extLst>
+              <a:ext uri="{28A0092B-C50C-407E-A947-70E740481C1C}">
+                <a14:useLocalDpi xmlns:a14="http://schemas.microsoft.com/office/drawing/2010/main" val="0"/>
+              </a:ext>
+            </a:extLst>
+          </a:blip>
+          <a:srcRect/>
+          <a:stretch>
+            <a:fillRect/>
+          </a:stretch>
+        </p:blipFill>
+        <p:spPr bwMode="auto">
+          <a:xfrm>
+            <a:off x="2362200" y="609600"/>
+            <a:ext cx="3505200" cy="2997355"/>
+          </a:xfrm>
+          <a:prstGeom prst="rect">
+            <a:avLst/>
+          </a:prstGeom>
+          <a:noFill/>
+          <a:extLst>
+            <a:ext uri="{909E8E84-426E-40DD-AFC4-6F175D3DCCD1}">
+              <a14:hiddenFill xmlns:a14="http://schemas.microsoft.com/office/drawing/2010/main">
+                <a:solidFill>
+                  <a:srgbClr val="FFFFFF"/>
+                </a:solidFill>
+              </a14:hiddenFill>
+            </a:ext>
+          </a:extLst>
+        </p:spPr>
+      </p:pic>
       <p:sp>
         <p:nvSpPr>
           <p:cNvPr id="2" name="Title 1"/>
@@ -9732,7 +10553,7 @@
         </p:nvSpPr>
         <p:spPr>
           <a:xfrm>
-            <a:off x="818348" y="0"/>
+            <a:off x="663863" y="-260067"/>
             <a:ext cx="7511473" cy="1312480"/>
           </a:xfrm>
         </p:spPr>
@@ -9742,11 +10563,12 @@
           </a:bodyPr>
           <a:lstStyle/>
           <a:p>
-            <a:r>
-              <a:rPr lang="en-ZA" sz="4000" dirty="0" smtClean="0"/>
-              <a:t>Why Create this?</a:t>
-            </a:r>
-            <a:endParaRPr lang="en-GB" sz="4000" dirty="0"/>
+            <a:pPr algn="ctr"/>
+            <a:r>
+              <a:rPr lang="en-US" sz="4000" dirty="0" smtClean="0"/>
+              <a:t>What is it?</a:t>
+            </a:r>
+            <a:endParaRPr lang="en-US" sz="4000" dirty="0"/>
           </a:p>
         </p:txBody>
       </p:sp>
@@ -9763,59 +10585,59 @@
         <p:spPr/>
         <p:txBody>
           <a:bodyPr>
-            <a:normAutofit fontScale="92500"/>
+            <a:normAutofit fontScale="77500" lnSpcReduction="20000"/>
           </a:bodyPr>
           <a:lstStyle/>
           <a:p>
-            <a:r>
-              <a:rPr lang="en-ZA" sz="4000" dirty="0" smtClean="0"/>
-              <a:t>Gameplay that is fast and fluid.</a:t>
-            </a:r>
-          </a:p>
-          <a:p>
-            <a:endParaRPr lang="en-ZA" sz="4000" dirty="0" smtClean="0"/>
-          </a:p>
-          <a:p>
-            <a:r>
-              <a:rPr lang="en-ZA" sz="4000" dirty="0" smtClean="0"/>
-              <a:t>Simple to play with one hand.</a:t>
-            </a:r>
-          </a:p>
-          <a:p>
-            <a:endParaRPr lang="en-ZA" sz="4000" dirty="0" smtClean="0"/>
-          </a:p>
-          <a:p>
-            <a:r>
-              <a:rPr lang="en-ZA" sz="4000" dirty="0" smtClean="0"/>
-              <a:t>Action </a:t>
-            </a:r>
-            <a:r>
-              <a:rPr lang="en-ZA" sz="4000" dirty="0" smtClean="0"/>
-              <a:t>combat mechanics.</a:t>
-            </a:r>
-          </a:p>
-          <a:p>
-            <a:endParaRPr lang="en-GB" dirty="0"/>
+            <a:endParaRPr lang="en-US" sz="2800" dirty="0" smtClean="0"/>
+          </a:p>
+          <a:p>
+            <a:endParaRPr lang="en-US" sz="2800" dirty="0"/>
+          </a:p>
+          <a:p>
+            <a:endParaRPr lang="en-US" sz="2800" dirty="0" smtClean="0"/>
+          </a:p>
+          <a:p>
+            <a:endParaRPr lang="en-US" sz="2800" dirty="0"/>
+          </a:p>
+          <a:p>
+            <a:r>
+              <a:rPr lang="en-US" sz="2800" dirty="0" smtClean="0"/>
+              <a:t>Endless runner that has action combat mechanics.</a:t>
+            </a:r>
+            <a:endParaRPr lang="en-US" sz="2800" dirty="0"/>
+          </a:p>
+          <a:p>
+            <a:endParaRPr lang="en-US" sz="2800" dirty="0"/>
+          </a:p>
+          <a:p>
+            <a:r>
+              <a:rPr lang="en-US" sz="2800" dirty="0" smtClean="0"/>
+              <a:t>Simple movement and combat controls, intended to be played with one hand</a:t>
+            </a:r>
+          </a:p>
+          <a:p>
+            <a:endParaRPr lang="en-US" sz="2800" dirty="0"/>
+          </a:p>
+          <a:p>
+            <a:r>
+              <a:rPr lang="en-US" sz="2800" dirty="0" smtClean="0"/>
+              <a:t>Linear progression with boss battles.</a:t>
+            </a:r>
+            <a:endParaRPr lang="en-US" sz="2800" dirty="0"/>
           </a:p>
         </p:txBody>
       </p:sp>
     </p:spTree>
     <p:extLst>
       <p:ext uri="{BB962C8B-B14F-4D97-AF65-F5344CB8AC3E}">
-        <p14:creationId xmlns:p14="http://schemas.microsoft.com/office/powerpoint/2010/main" val="1255242939"/>
+        <p14:creationId xmlns:p14="http://schemas.microsoft.com/office/powerpoint/2010/main" val="2400570096"/>
       </p:ext>
     </p:extLst>
   </p:cSld>
   <p:clrMapOvr>
     <a:masterClrMapping/>
   </p:clrMapOvr>
-  <p:timing>
-    <p:tnLst>
-      <p:par>
-        <p:cTn id="1" dur="indefinite" restart="never" nodeType="tmRoot"/>
-      </p:par>
-    </p:tnLst>
-  </p:timing>
 </p:sld>
 </file>
 
@@ -9848,8 +10670,8 @@
         </p:nvSpPr>
         <p:spPr>
           <a:xfrm>
-            <a:off x="990600" y="-457200"/>
-            <a:ext cx="7792253" cy="1752600"/>
+            <a:off x="818348" y="0"/>
+            <a:ext cx="7511473" cy="1312480"/>
           </a:xfrm>
         </p:spPr>
         <p:txBody>
@@ -9860,7 +10682,7 @@
           <a:p>
             <a:r>
               <a:rPr lang="en-ZA" sz="4000" dirty="0" smtClean="0"/>
-              <a:t>Target Market?</a:t>
+              <a:t>Why Create this?</a:t>
             </a:r>
             <a:endParaRPr lang="en-GB" sz="4000" dirty="0"/>
           </a:p>
@@ -9879,38 +10701,48 @@
         <p:spPr/>
         <p:txBody>
           <a:bodyPr>
-            <a:normAutofit fontScale="92500" lnSpcReduction="20000"/>
+            <a:normAutofit fontScale="85000" lnSpcReduction="20000"/>
           </a:bodyPr>
           <a:lstStyle/>
           <a:p>
             <a:r>
-              <a:rPr lang="en-ZA" sz="3700" dirty="0" smtClean="0"/>
-              <a:t>People who enjoy linear gameplay action.</a:t>
-            </a:r>
-          </a:p>
-          <a:p>
-            <a:endParaRPr lang="en-ZA" sz="3700" dirty="0"/>
-          </a:p>
-          <a:p>
-            <a:r>
-              <a:rPr lang="en-ZA" sz="3700" dirty="0" smtClean="0"/>
-              <a:t>People who enjoy non-convoluted stories.</a:t>
-            </a:r>
-          </a:p>
-          <a:p>
-            <a:endParaRPr lang="en-ZA" sz="3700" dirty="0"/>
-          </a:p>
-          <a:p>
-            <a:r>
-              <a:rPr lang="en-ZA" sz="3700" dirty="0" smtClean="0"/>
-              <a:t>Gamers on the go.</a:t>
-            </a:r>
-          </a:p>
-          <a:p>
-            <a:endParaRPr lang="en-ZA" dirty="0"/>
-          </a:p>
-          <a:p>
-            <a:endParaRPr lang="en-ZA" dirty="0" smtClean="0"/>
+              <a:rPr lang="en-ZA" sz="4000" dirty="0" smtClean="0"/>
+              <a:t>Lack of action combat on-rail games on mobile.</a:t>
+            </a:r>
+            <a:endParaRPr lang="en-ZA" sz="4000" dirty="0" smtClean="0"/>
+          </a:p>
+          <a:p>
+            <a:endParaRPr lang="en-ZA" sz="4000" dirty="0" smtClean="0"/>
+          </a:p>
+          <a:p>
+            <a:r>
+              <a:rPr lang="en-ZA" sz="4000" dirty="0" smtClean="0"/>
+              <a:t>Simple </a:t>
+            </a:r>
+            <a:r>
+              <a:rPr lang="en-ZA" sz="4000" dirty="0" smtClean="0"/>
+              <a:t>to play with one hand</a:t>
+            </a:r>
+            <a:r>
+              <a:rPr lang="en-ZA" sz="4000" dirty="0" smtClean="0"/>
+              <a:t>.</a:t>
+            </a:r>
+          </a:p>
+          <a:p>
+            <a:endParaRPr lang="en-ZA" sz="4000" dirty="0"/>
+          </a:p>
+          <a:p>
+            <a:r>
+              <a:rPr lang="en-ZA" sz="4000" dirty="0" smtClean="0"/>
+              <a:t>Mechanics intended to be simple and engaging.</a:t>
+            </a:r>
+            <a:endParaRPr lang="en-ZA" sz="4000" dirty="0" smtClean="0"/>
+          </a:p>
+          <a:p>
+            <a:pPr marL="0" indent="0">
+              <a:buNone/>
+            </a:pPr>
+            <a:endParaRPr lang="en-ZA" sz="4000" dirty="0" smtClean="0"/>
           </a:p>
           <a:p>
             <a:endParaRPr lang="en-GB" dirty="0"/>
@@ -9920,7 +10752,7 @@
     </p:spTree>
     <p:extLst>
       <p:ext uri="{BB962C8B-B14F-4D97-AF65-F5344CB8AC3E}">
-        <p14:creationId xmlns:p14="http://schemas.microsoft.com/office/powerpoint/2010/main" val="2424914556"/>
+        <p14:creationId xmlns:p14="http://schemas.microsoft.com/office/powerpoint/2010/main" val="1255242939"/>
       </p:ext>
     </p:extLst>
   </p:cSld>
@@ -9966,8 +10798,8 @@
         </p:nvSpPr>
         <p:spPr>
           <a:xfrm>
-            <a:off x="818348" y="26126"/>
-            <a:ext cx="7511473" cy="1312480"/>
+            <a:off x="990600" y="-457200"/>
+            <a:ext cx="7792253" cy="1752600"/>
           </a:xfrm>
         </p:spPr>
         <p:txBody>
@@ -9978,7 +10810,7 @@
           <a:p>
             <a:r>
               <a:rPr lang="en-ZA" sz="4000" dirty="0" smtClean="0"/>
-              <a:t>So what’s so different?</a:t>
+              <a:t>Target Market?</a:t>
             </a:r>
             <a:endParaRPr lang="en-GB" sz="4000" dirty="0"/>
           </a:p>
@@ -9997,22 +10829,22 @@
         <p:spPr/>
         <p:txBody>
           <a:bodyPr>
-            <a:noAutofit/>
+            <a:normAutofit fontScale="92500" lnSpcReduction="20000"/>
           </a:bodyPr>
           <a:lstStyle/>
           <a:p>
             <a:r>
               <a:rPr lang="en-ZA" sz="3700" dirty="0" smtClean="0"/>
-              <a:t>Simple control scheme.</a:t>
-            </a:r>
-          </a:p>
-          <a:p>
-            <a:endParaRPr lang="en-ZA" sz="3700" dirty="0" smtClean="0"/>
+              <a:t>People who enjoy linear gameplay action.</a:t>
+            </a:r>
+          </a:p>
+          <a:p>
+            <a:endParaRPr lang="en-ZA" sz="3700" dirty="0"/>
           </a:p>
           <a:p>
             <a:r>
               <a:rPr lang="en-ZA" sz="3700" dirty="0" smtClean="0"/>
-              <a:t>Levels progress on-rail style, with end boss battle.</a:t>
+              <a:t>People who enjoy non-convoluted stories.</a:t>
             </a:r>
           </a:p>
           <a:p>
@@ -10021,24 +10853,24 @@
           <a:p>
             <a:r>
               <a:rPr lang="en-ZA" sz="3700" dirty="0" smtClean="0"/>
-              <a:t>Players choose different levels/bosses to fight, similar to </a:t>
-            </a:r>
-            <a:r>
-              <a:rPr lang="en-ZA" sz="3700" dirty="0" err="1" smtClean="0"/>
-              <a:t>Megaman</a:t>
-            </a:r>
-            <a:r>
-              <a:rPr lang="en-ZA" sz="3700" dirty="0" smtClean="0"/>
-              <a:t> games.</a:t>
-            </a:r>
-            <a:endParaRPr lang="en-ZA" sz="3700" dirty="0"/>
+              <a:t>Gamers on the go.</a:t>
+            </a:r>
+          </a:p>
+          <a:p>
+            <a:endParaRPr lang="en-ZA" dirty="0"/>
+          </a:p>
+          <a:p>
+            <a:endParaRPr lang="en-ZA" dirty="0" smtClean="0"/>
+          </a:p>
+          <a:p>
+            <a:endParaRPr lang="en-GB" dirty="0"/>
           </a:p>
         </p:txBody>
       </p:sp>
     </p:spTree>
     <p:extLst>
       <p:ext uri="{BB962C8B-B14F-4D97-AF65-F5344CB8AC3E}">
-        <p14:creationId xmlns:p14="http://schemas.microsoft.com/office/powerpoint/2010/main" val="4187709959"/>
+        <p14:creationId xmlns:p14="http://schemas.microsoft.com/office/powerpoint/2010/main" val="2424914556"/>
       </p:ext>
     </p:extLst>
   </p:cSld>
@@ -10084,6 +10916,124 @@
         </p:nvSpPr>
         <p:spPr>
           <a:xfrm>
+            <a:off x="818348" y="26126"/>
+            <a:ext cx="7511473" cy="1312480"/>
+          </a:xfrm>
+        </p:spPr>
+        <p:txBody>
+          <a:bodyPr>
+            <a:normAutofit/>
+          </a:bodyPr>
+          <a:lstStyle/>
+          <a:p>
+            <a:r>
+              <a:rPr lang="en-ZA" sz="4000" dirty="0" smtClean="0"/>
+              <a:t>What unfair advantage is there?</a:t>
+            </a:r>
+            <a:endParaRPr lang="en-GB" sz="4000" dirty="0"/>
+          </a:p>
+        </p:txBody>
+      </p:sp>
+      <p:sp>
+        <p:nvSpPr>
+          <p:cNvPr id="3" name="Content Placeholder 2"/>
+          <p:cNvSpPr>
+            <a:spLocks noGrp="1"/>
+          </p:cNvSpPr>
+          <p:nvPr>
+            <p:ph idx="1"/>
+          </p:nvPr>
+        </p:nvSpPr>
+        <p:spPr/>
+        <p:txBody>
+          <a:bodyPr>
+            <a:noAutofit/>
+          </a:bodyPr>
+          <a:lstStyle/>
+          <a:p>
+            <a:r>
+              <a:rPr lang="en-ZA" sz="3700" dirty="0" smtClean="0"/>
+              <a:t>Simple control scheme for a </a:t>
+            </a:r>
+            <a:r>
+              <a:rPr lang="en-ZA" sz="3700" dirty="0" smtClean="0"/>
+              <a:t>combat-heavy game.</a:t>
+            </a:r>
+            <a:endParaRPr lang="en-ZA" sz="3700" dirty="0" smtClean="0"/>
+          </a:p>
+          <a:p>
+            <a:r>
+              <a:rPr lang="en-ZA" sz="3700" dirty="0" smtClean="0"/>
+              <a:t>Levels progress on-rail style, with end boss battle</a:t>
+            </a:r>
+            <a:r>
+              <a:rPr lang="en-ZA" sz="3700" dirty="0" smtClean="0"/>
+              <a:t>.</a:t>
+            </a:r>
+            <a:endParaRPr lang="en-ZA" sz="3700" dirty="0"/>
+          </a:p>
+          <a:p>
+            <a:r>
+              <a:rPr lang="en-ZA" sz="3700" dirty="0" smtClean="0"/>
+              <a:t>Players </a:t>
+            </a:r>
+            <a:r>
+              <a:rPr lang="en-ZA" sz="3700" dirty="0" smtClean="0"/>
+              <a:t>given a choice to progress in any order.</a:t>
+            </a:r>
+            <a:endParaRPr lang="en-ZA" sz="3700" dirty="0"/>
+          </a:p>
+        </p:txBody>
+      </p:sp>
+    </p:spTree>
+    <p:extLst>
+      <p:ext uri="{BB962C8B-B14F-4D97-AF65-F5344CB8AC3E}">
+        <p14:creationId xmlns:p14="http://schemas.microsoft.com/office/powerpoint/2010/main" val="4187709959"/>
+      </p:ext>
+    </p:extLst>
+  </p:cSld>
+  <p:clrMapOvr>
+    <a:masterClrMapping/>
+  </p:clrMapOvr>
+  <p:timing>
+    <p:tnLst>
+      <p:par>
+        <p:cTn id="1" dur="indefinite" restart="never" nodeType="tmRoot"/>
+      </p:par>
+    </p:tnLst>
+  </p:timing>
+</p:sld>
+</file>
+
+<file path=ppt/slides/slide6.xml><?xml version="1.0" encoding="utf-8"?>
+<p:sld xmlns:a="http://schemas.openxmlformats.org/drawingml/2006/main" xmlns:r="http://schemas.openxmlformats.org/officeDocument/2006/relationships" xmlns:p="http://schemas.openxmlformats.org/presentationml/2006/main">
+  <p:cSld>
+    <p:spTree>
+      <p:nvGrpSpPr>
+        <p:cNvPr id="1" name=""/>
+        <p:cNvGrpSpPr/>
+        <p:nvPr/>
+      </p:nvGrpSpPr>
+      <p:grpSpPr>
+        <a:xfrm>
+          <a:off x="0" y="0"/>
+          <a:ext cx="0" cy="0"/>
+          <a:chOff x="0" y="0"/>
+          <a:chExt cx="0" cy="0"/>
+        </a:xfrm>
+      </p:grpSpPr>
+      <p:sp>
+        <p:nvSpPr>
+          <p:cNvPr id="2" name="Title 1"/>
+          <p:cNvSpPr>
+            <a:spLocks noGrp="1"/>
+          </p:cNvSpPr>
+          <p:nvPr>
+            <p:ph type="title"/>
+          </p:nvPr>
+        </p:nvSpPr>
+        <p:spPr>
+          <a:xfrm>
             <a:off x="463519" y="0"/>
             <a:ext cx="8229600" cy="1143000"/>
           </a:xfrm>
@@ -10109,7 +11059,7 @@
           <p:nvPr/>
         </p:nvPicPr>
         <p:blipFill>
-          <a:blip r:embed="rId2">
+          <a:blip r:embed="rId3">
             <a:extLst>
               <a:ext uri="{28A0092B-C50C-407E-A947-70E740481C1C}">
                 <a14:useLocalDpi xmlns:a14="http://schemas.microsoft.com/office/drawing/2010/main" val="0"/>
@@ -10674,7 +11624,7 @@
 </p:sld>
 </file>
 
-<file path=ppt/slides/slide6.xml><?xml version="1.0" encoding="utf-8"?>
+<file path=ppt/slides/slide7.xml><?xml version="1.0" encoding="utf-8"?>
 <p:sld xmlns:a="http://schemas.openxmlformats.org/drawingml/2006/main" xmlns:r="http://schemas.openxmlformats.org/officeDocument/2006/relationships" xmlns:p="http://schemas.openxmlformats.org/presentationml/2006/main">
   <p:cSld>
     <p:spTree>
@@ -10758,6 +11708,10 @@
             <a:pPr marL="0" indent="0">
               <a:buNone/>
             </a:pPr>
+            <a:r>
+              <a:rPr lang="en-GB" sz="4000" dirty="0" smtClean="0"/>
+              <a:t> </a:t>
+            </a:r>
             <a:endParaRPr lang="en-GB" sz="4000" dirty="0" smtClean="0"/>
           </a:p>
           <a:p>
@@ -10783,7 +11737,7 @@
           <p:nvPr/>
         </p:nvPicPr>
         <p:blipFill>
-          <a:blip r:embed="rId2">
+          <a:blip r:embed="rId3">
             <a:extLst>
               <a:ext uri="{28A0092B-C50C-407E-A947-70E740481C1C}">
                 <a14:useLocalDpi xmlns:a14="http://schemas.microsoft.com/office/drawing/2010/main" val="0"/>
@@ -10824,7 +11778,7 @@
           <p:nvPr/>
         </p:nvPicPr>
         <p:blipFill>
-          <a:blip r:embed="rId3">
+          <a:blip r:embed="rId4">
             <a:extLst>
               <a:ext uri="{28A0092B-C50C-407E-A947-70E740481C1C}">
                 <a14:useLocalDpi xmlns:a14="http://schemas.microsoft.com/office/drawing/2010/main" val="0"/>
@@ -10876,7 +11830,7 @@
 </p:sld>
 </file>
 
-<file path=ppt/slides/slide7.xml><?xml version="1.0" encoding="utf-8"?>
+<file path=ppt/slides/slide8.xml><?xml version="1.0" encoding="utf-8"?>
 <p:sld xmlns:a="http://schemas.openxmlformats.org/drawingml/2006/main" xmlns:r="http://schemas.openxmlformats.org/officeDocument/2006/relationships" xmlns:p="http://schemas.openxmlformats.org/presentationml/2006/main">
   <p:cSld>
     <p:spTree>
@@ -10952,11 +11906,7 @@
           <a:p>
             <a:r>
               <a:rPr lang="en-ZA" sz="2800" dirty="0" smtClean="0"/>
-              <a:t>No advantageous benefits via monetary payments</a:t>
-            </a:r>
-            <a:r>
-              <a:rPr lang="en-ZA" sz="2800" dirty="0" smtClean="0"/>
-              <a:t>.</a:t>
+              <a:t>No advantageous benefits via monetary payments.</a:t>
             </a:r>
           </a:p>
           <a:p>
@@ -10976,7 +11926,6 @@
               <a:rPr lang="en-ZA" sz="2800" dirty="0" smtClean="0"/>
               <a:t>Gameplay would not be annoyingly repetitive, losing customer interests.</a:t>
             </a:r>
-            <a:endParaRPr lang="en-ZA" sz="2800" dirty="0" smtClean="0"/>
           </a:p>
           <a:p>
             <a:pPr marL="0" indent="0">
@@ -11018,158 +11967,6 @@
 </p:sld>
 </file>
 
-<file path=ppt/slides/slide8.xml><?xml version="1.0" encoding="utf-8"?>
-<p:sld xmlns:a="http://schemas.openxmlformats.org/drawingml/2006/main" xmlns:r="http://schemas.openxmlformats.org/officeDocument/2006/relationships" xmlns:p="http://schemas.openxmlformats.org/presentationml/2006/main">
-  <p:cSld>
-    <p:spTree>
-      <p:nvGrpSpPr>
-        <p:cNvPr id="1" name=""/>
-        <p:cNvGrpSpPr/>
-        <p:nvPr/>
-      </p:nvGrpSpPr>
-      <p:grpSpPr>
-        <a:xfrm>
-          <a:off x="0" y="0"/>
-          <a:ext cx="0" cy="0"/>
-          <a:chOff x="0" y="0"/>
-          <a:chExt cx="0" cy="0"/>
-        </a:xfrm>
-      </p:grpSpPr>
-      <p:sp>
-        <p:nvSpPr>
-          <p:cNvPr id="2" name="Title 1"/>
-          <p:cNvSpPr>
-            <a:spLocks noGrp="1"/>
-          </p:cNvSpPr>
-          <p:nvPr>
-            <p:ph type="title"/>
-          </p:nvPr>
-        </p:nvSpPr>
-        <p:spPr>
-          <a:xfrm>
-            <a:off x="818346" y="102663"/>
-            <a:ext cx="7511473" cy="1312480"/>
-          </a:xfrm>
-        </p:spPr>
-        <p:txBody>
-          <a:bodyPr/>
-          <a:lstStyle/>
-          <a:p>
-            <a:r>
-              <a:rPr lang="en-GB" dirty="0" smtClean="0"/>
-              <a:t>How much to invest in?</a:t>
-            </a:r>
-            <a:endParaRPr lang="en-GB" dirty="0"/>
-          </a:p>
-        </p:txBody>
-      </p:sp>
-      <p:sp>
-        <p:nvSpPr>
-          <p:cNvPr id="3" name="Content Placeholder 2"/>
-          <p:cNvSpPr>
-            <a:spLocks noGrp="1"/>
-          </p:cNvSpPr>
-          <p:nvPr>
-            <p:ph idx="1"/>
-          </p:nvPr>
-        </p:nvSpPr>
-        <p:spPr>
-          <a:xfrm>
-            <a:off x="818347" y="1447800"/>
-            <a:ext cx="7511472" cy="4044660"/>
-          </a:xfrm>
-        </p:spPr>
-        <p:txBody>
-          <a:bodyPr>
-            <a:normAutofit fontScale="85000" lnSpcReduction="20000"/>
-          </a:bodyPr>
-          <a:lstStyle/>
-          <a:p>
-            <a:r>
-              <a:rPr lang="en-GB" sz="3200" dirty="0">
-                <a:effectLst/>
-              </a:rPr>
-              <a:t>£ </a:t>
-            </a:r>
-            <a:r>
-              <a:rPr lang="en-GB" sz="3200" dirty="0" smtClean="0"/>
-              <a:t>8000, for the first 4 levels. Done in 5 months time.</a:t>
-            </a:r>
-          </a:p>
-          <a:p>
-            <a:endParaRPr lang="en-GB" sz="3200" dirty="0"/>
-          </a:p>
-          <a:p>
-            <a:r>
-              <a:rPr lang="en-GB" sz="3200" dirty="0" smtClean="0"/>
-              <a:t>Include DLC for cosmetics in the future. Price ranging from </a:t>
-            </a:r>
-            <a:r>
-              <a:rPr lang="en-GB" sz="3200" dirty="0">
-                <a:effectLst/>
-              </a:rPr>
-              <a:t>£ </a:t>
-            </a:r>
-            <a:r>
-              <a:rPr lang="en-GB" sz="3200" dirty="0" smtClean="0"/>
-              <a:t>0.60 to </a:t>
-            </a:r>
-            <a:r>
-              <a:rPr lang="en-GB" sz="3200" dirty="0">
-                <a:effectLst/>
-              </a:rPr>
-              <a:t>£ </a:t>
-            </a:r>
-            <a:r>
-              <a:rPr lang="en-GB" sz="3200" dirty="0" smtClean="0"/>
-              <a:t>1.50</a:t>
-            </a:r>
-          </a:p>
-          <a:p>
-            <a:endParaRPr lang="en-GB" sz="3200" dirty="0"/>
-          </a:p>
-          <a:p>
-            <a:r>
-              <a:rPr lang="en-GB" sz="3200" dirty="0" smtClean="0"/>
-              <a:t>Charge </a:t>
-            </a:r>
-            <a:r>
-              <a:rPr lang="en-GB" sz="3300" dirty="0">
-                <a:effectLst/>
-              </a:rPr>
-              <a:t>£</a:t>
-            </a:r>
-            <a:r>
-              <a:rPr lang="en-GB" sz="3200" dirty="0" smtClean="0"/>
-              <a:t>1.99</a:t>
-            </a:r>
-            <a:br>
-              <a:rPr lang="en-GB" sz="3200" dirty="0" smtClean="0"/>
-            </a:br>
-            <a:r>
-              <a:rPr lang="en-GB" sz="3200" dirty="0" smtClean="0"/>
-              <a:t/>
-            </a:r>
-            <a:br>
-              <a:rPr lang="en-GB" sz="3200" dirty="0" smtClean="0"/>
-            </a:br>
-            <a:endParaRPr lang="en-GB" sz="3200" dirty="0"/>
-          </a:p>
-        </p:txBody>
-      </p:sp>
-    </p:spTree>
-    <p:extLst>
-      <p:ext uri="{BB962C8B-B14F-4D97-AF65-F5344CB8AC3E}">
-        <p14:creationId xmlns:p14="http://schemas.microsoft.com/office/powerpoint/2010/main" val="590670967"/>
-      </p:ext>
-    </p:extLst>
-  </p:cSld>
-  <p:clrMapOvr>
-    <a:masterClrMapping/>
-  </p:clrMapOvr>
-</p:sld>
-</file>
-
 <file path=ppt/slides/slide9.xml><?xml version="1.0" encoding="utf-8"?>
 <p:sld xmlns:a="http://schemas.openxmlformats.org/drawingml/2006/main" xmlns:r="http://schemas.openxmlformats.org/officeDocument/2006/relationships" xmlns:p="http://schemas.openxmlformats.org/presentationml/2006/main">
   <p:cSld>
@@ -11197,14 +11994,19 @@
             <p:ph type="title"/>
           </p:nvPr>
         </p:nvSpPr>
-        <p:spPr/>
+        <p:spPr>
+          <a:xfrm>
+            <a:off x="818346" y="102663"/>
+            <a:ext cx="7511473" cy="1312480"/>
+          </a:xfrm>
+        </p:spPr>
         <p:txBody>
           <a:bodyPr/>
           <a:lstStyle/>
           <a:p>
             <a:r>
               <a:rPr lang="en-GB" dirty="0" smtClean="0"/>
-              <a:t>Appendix</a:t>
+              <a:t>How much to invest in?</a:t>
             </a:r>
             <a:endParaRPr lang="en-GB" dirty="0"/>
           </a:p>
@@ -11220,48 +12022,109 @@
             <p:ph idx="1"/>
           </p:nvPr>
         </p:nvSpPr>
-        <p:spPr/>
-        <p:txBody>
-          <a:bodyPr/>
-          <a:lstStyle/>
-          <a:p>
-            <a:r>
-              <a:rPr lang="en-GB" dirty="0">
-                <a:hlinkClick r:id="rId2"/>
+        <p:spPr>
+          <a:xfrm>
+            <a:off x="818347" y="1447800"/>
+            <a:ext cx="7511472" cy="4044660"/>
+          </a:xfrm>
+        </p:spPr>
+        <p:txBody>
+          <a:bodyPr>
+            <a:normAutofit fontScale="77500" lnSpcReduction="20000"/>
+          </a:bodyPr>
+          <a:lstStyle/>
+          <a:p>
+            <a:r>
+              <a:rPr lang="en-GB" sz="3200" dirty="0">
+                <a:effectLst/>
               </a:rPr>
-              <a:t>http://androidspin.com/2014/02/06/game-insight-releases-details-upcoming-running-shadow-game</a:t>
-            </a:r>
-            <a:r>
-              <a:rPr lang="en-GB" dirty="0" smtClean="0">
-                <a:hlinkClick r:id="rId2"/>
+              <a:t>£ </a:t>
+            </a:r>
+            <a:r>
+              <a:rPr lang="en-GB" sz="3200" dirty="0" smtClean="0"/>
+              <a:t>8000, for the first 4 levels. Done in 5 months time.</a:t>
+            </a:r>
+          </a:p>
+          <a:p>
+            <a:endParaRPr lang="en-GB" sz="3200" dirty="0" smtClean="0"/>
+          </a:p>
+          <a:p>
+            <a:r>
+              <a:rPr lang="en-GB" sz="3200" dirty="0"/>
+              <a:t>Charge </a:t>
+            </a:r>
+            <a:r>
+              <a:rPr lang="en-GB" sz="3300" dirty="0">
+                <a:effectLst/>
               </a:rPr>
-              <a:t>/</a:t>
-            </a:r>
-            <a:r>
-              <a:rPr lang="en-GB" dirty="0" smtClean="0"/>
-              <a:t> - Running Shadow</a:t>
-            </a:r>
-            <a:endParaRPr lang="en-GB" dirty="0"/>
+              <a:t>£</a:t>
+            </a:r>
+            <a:r>
+              <a:rPr lang="en-GB" sz="3200" dirty="0"/>
+              <a:t>1.99</a:t>
+            </a:r>
+          </a:p>
+          <a:p>
+            <a:endParaRPr lang="en-GB" sz="3200" dirty="0"/>
+          </a:p>
+          <a:p>
+            <a:r>
+              <a:rPr lang="en-GB" sz="3200" dirty="0" smtClean="0"/>
+              <a:t>Include DLC for cosmetics in the future. Price ranging from </a:t>
+            </a:r>
+            <a:r>
+              <a:rPr lang="en-GB" sz="3200" dirty="0">
+                <a:effectLst/>
+              </a:rPr>
+              <a:t>£ </a:t>
+            </a:r>
+            <a:r>
+              <a:rPr lang="en-GB" sz="3200" dirty="0" smtClean="0"/>
+              <a:t>0.60 to </a:t>
+            </a:r>
+            <a:r>
+              <a:rPr lang="en-GB" sz="3200" dirty="0">
+                <a:effectLst/>
+              </a:rPr>
+              <a:t>£ </a:t>
+            </a:r>
+            <a:r>
+              <a:rPr lang="en-GB" sz="3200" dirty="0" smtClean="0"/>
+              <a:t>1.50</a:t>
+            </a:r>
+          </a:p>
+          <a:p>
+            <a:pPr marL="0" indent="0">
+              <a:buNone/>
+            </a:pPr>
+            <a:r>
+              <a:rPr lang="en-GB" sz="3200" dirty="0" smtClean="0"/>
+              <a:t/>
+            </a:r>
+            <a:br>
+              <a:rPr lang="en-GB" sz="3200" dirty="0" smtClean="0"/>
+            </a:br>
+            <a:r>
+              <a:rPr lang="en-GB" sz="3200" dirty="0" smtClean="0"/>
+              <a:t/>
+            </a:r>
+            <a:br>
+              <a:rPr lang="en-GB" sz="3200" dirty="0" smtClean="0"/>
+            </a:br>
+            <a:endParaRPr lang="en-GB" sz="3200" dirty="0"/>
           </a:p>
         </p:txBody>
       </p:sp>
     </p:spTree>
     <p:extLst>
       <p:ext uri="{BB962C8B-B14F-4D97-AF65-F5344CB8AC3E}">
-        <p14:creationId xmlns:p14="http://schemas.microsoft.com/office/powerpoint/2010/main" val="4283773774"/>
+        <p14:creationId xmlns:p14="http://schemas.microsoft.com/office/powerpoint/2010/main" val="590670967"/>
       </p:ext>
     </p:extLst>
   </p:cSld>
   <p:clrMapOvr>
     <a:masterClrMapping/>
   </p:clrMapOvr>
-  <p:timing>
-    <p:tnLst>
-      <p:par>
-        <p:cTn id="1" dur="indefinite" restart="never" nodeType="tmRoot"/>
-      </p:par>
-    </p:tnLst>
-  </p:timing>
 </p:sld>
 </file>
 

--- a/Crystal Maze Disaster.pptx
+++ b/Crystal Maze Disaster.pptx
@@ -6,7 +6,7 @@
     <p:sldMasterId id="2147483804" r:id="rId2"/>
   </p:sldMasterIdLst>
   <p:notesMasterIdLst>
-    <p:notesMasterId r:id="rId13"/>
+    <p:notesMasterId r:id="rId14"/>
   </p:notesMasterIdLst>
   <p:sldIdLst>
     <p:sldId id="256" r:id="rId3"/>
@@ -15,10 +15,11 @@
     <p:sldId id="259" r:id="rId6"/>
     <p:sldId id="260" r:id="rId7"/>
     <p:sldId id="261" r:id="rId8"/>
-    <p:sldId id="262" r:id="rId9"/>
-    <p:sldId id="258" r:id="rId10"/>
-    <p:sldId id="264" r:id="rId11"/>
-    <p:sldId id="263" r:id="rId12"/>
+    <p:sldId id="266" r:id="rId9"/>
+    <p:sldId id="262" r:id="rId10"/>
+    <p:sldId id="258" r:id="rId11"/>
+    <p:sldId id="264" r:id="rId12"/>
+    <p:sldId id="263" r:id="rId13"/>
   </p:sldIdLst>
   <p:sldSz cx="9144000" cy="6858000" type="screen4x3"/>
   <p:notesSz cx="6858000" cy="9144000"/>
@@ -218,7 +219,7 @@
           <a:p>
             <a:fld id="{4CA35907-D66A-461D-A350-50E16266443A}" type="datetimeFigureOut">
               <a:rPr lang="en-GB" smtClean="0"/>
-              <a:t>28/10/2015</a:t>
+              <a:t>29/10/2015</a:t>
             </a:fld>
             <a:endParaRPr lang="en-GB"/>
           </a:p>
@@ -548,19 +549,7 @@
             </a:r>
             <a:r>
               <a:rPr lang="en-GB" dirty="0" smtClean="0"/>
-              <a:t>giving </a:t>
-            </a:r>
-            <a:r>
-              <a:rPr lang="en-GB" dirty="0" smtClean="0"/>
-              <a:t>a quick introduction about </a:t>
-            </a:r>
-            <a:r>
-              <a:rPr lang="en-GB" dirty="0" smtClean="0"/>
-              <a:t>myself, </a:t>
-            </a:r>
-            <a:r>
-              <a:rPr lang="en-GB" dirty="0" smtClean="0"/>
-              <a:t>and proceed to inform the potential investors about my game, Death-</a:t>
+              <a:t>giving a quick introduction about myself, and proceed to inform the potential investors about my game, Death-</a:t>
             </a:r>
             <a:r>
               <a:rPr lang="en-GB" dirty="0" err="1" smtClean="0"/>
@@ -654,7 +643,141 @@
           <a:bodyPr/>
           <a:lstStyle/>
           <a:p>
-            <a:endParaRPr lang="en-US"/>
+            <a:r>
+              <a:rPr lang="en-US" dirty="0" smtClean="0"/>
+              <a:t>I would</a:t>
+            </a:r>
+            <a:r>
+              <a:rPr lang="en-US" baseline="0" dirty="0" smtClean="0"/>
+              <a:t> give a brief talk on how much I would ask for the investment in the project. From the </a:t>
+            </a:r>
+            <a:r>
+              <a:rPr lang="en-US" baseline="0" dirty="0" err="1" smtClean="0"/>
+              <a:t>Gamasutra</a:t>
+            </a:r>
+            <a:r>
+              <a:rPr lang="en-US" baseline="0" dirty="0" smtClean="0"/>
+              <a:t> site (</a:t>
+            </a:r>
+            <a:r>
+              <a:rPr lang="en-GB" sz="1200" b="1" i="0" kern="1200" dirty="0" smtClean="0">
+                <a:solidFill>
+                  <a:schemeClr val="tx1"/>
+                </a:solidFill>
+                <a:effectLst/>
+                <a:latin typeface="+mn-lt"/>
+                <a:ea typeface="+mn-ea"/>
+                <a:cs typeface="+mn-cs"/>
+              </a:rPr>
+              <a:t>http://tinyurl.com/pz6funl</a:t>
+            </a:r>
+            <a:r>
+              <a:rPr lang="en-US" baseline="0" dirty="0" smtClean="0"/>
+              <a:t>) an estimated average of </a:t>
+            </a:r>
+            <a:r>
+              <a:rPr lang="en-GB" sz="1200" dirty="0" smtClean="0">
+                <a:effectLst/>
+              </a:rPr>
+              <a:t>£1172 is earned by game programmers a month. So naturally, £1172 x 5 would be about £</a:t>
+            </a:r>
+            <a:r>
+              <a:rPr lang="en-GB" sz="1200" b="0" i="0" kern="1200" dirty="0" smtClean="0">
+                <a:solidFill>
+                  <a:schemeClr val="tx1"/>
+                </a:solidFill>
+                <a:effectLst/>
+                <a:latin typeface="+mn-lt"/>
+                <a:ea typeface="+mn-ea"/>
+                <a:cs typeface="+mn-cs"/>
+              </a:rPr>
+              <a:t>5860. Publishing</a:t>
+            </a:r>
+            <a:r>
+              <a:rPr lang="en-GB" sz="1200" b="0" i="0" kern="1200" baseline="0" dirty="0" smtClean="0">
+                <a:solidFill>
+                  <a:schemeClr val="tx1"/>
+                </a:solidFill>
+                <a:effectLst/>
+                <a:latin typeface="+mn-lt"/>
+                <a:ea typeface="+mn-ea"/>
+                <a:cs typeface="+mn-cs"/>
+              </a:rPr>
+              <a:t> on the iOS store is around </a:t>
+            </a:r>
+            <a:r>
+              <a:rPr lang="en-GB" sz="1200" dirty="0" smtClean="0">
+                <a:effectLst/>
+              </a:rPr>
+              <a:t>£</a:t>
+            </a:r>
+            <a:r>
+              <a:rPr lang="en-GB" sz="1200" b="0" i="0" kern="1200" baseline="0" dirty="0" smtClean="0">
+                <a:solidFill>
+                  <a:schemeClr val="tx1"/>
+                </a:solidFill>
+                <a:effectLst/>
+                <a:latin typeface="+mn-lt"/>
+                <a:ea typeface="+mn-ea"/>
+                <a:cs typeface="+mn-cs"/>
+              </a:rPr>
+              <a:t>65 a year, whilst google play would cost </a:t>
+            </a:r>
+            <a:r>
+              <a:rPr lang="en-GB" sz="1200" dirty="0" smtClean="0">
+                <a:effectLst/>
+              </a:rPr>
+              <a:t>£16/£17</a:t>
+            </a:r>
+            <a:r>
+              <a:rPr lang="en-GB" sz="1200" b="0" i="0" kern="1200" baseline="0" dirty="0" smtClean="0">
+                <a:solidFill>
+                  <a:schemeClr val="tx1"/>
+                </a:solidFill>
+                <a:effectLst/>
+                <a:latin typeface="+mn-lt"/>
+                <a:ea typeface="+mn-ea"/>
+                <a:cs typeface="+mn-cs"/>
+              </a:rPr>
+              <a:t>, Unity Pro would cost about </a:t>
+            </a:r>
+            <a:r>
+              <a:rPr lang="en-GB" sz="1200" dirty="0" smtClean="0">
+                <a:effectLst/>
+              </a:rPr>
+              <a:t>£1200. The reason for pro would be for the royalty fee Unity requires when </a:t>
+            </a:r>
+            <a:r>
+              <a:rPr lang="en-GB" sz="1200" baseline="0" dirty="0" smtClean="0">
+                <a:effectLst/>
+              </a:rPr>
+              <a:t>the game earns more than $100000. The total so far would be brought up to </a:t>
+            </a:r>
+            <a:r>
+              <a:rPr lang="en-GB" sz="1200" dirty="0" smtClean="0">
+                <a:effectLst/>
+              </a:rPr>
+              <a:t>£</a:t>
+            </a:r>
+            <a:r>
+              <a:rPr lang="en-GB" sz="1200" baseline="0" dirty="0" smtClean="0">
+                <a:effectLst/>
+              </a:rPr>
+              <a:t>7141, with the rest of the money going into miscellaneous assets (music, game art, etc.). I would want to charge a standard fee of </a:t>
+            </a:r>
+            <a:r>
+              <a:rPr lang="en-GB" sz="1200" dirty="0" smtClean="0">
+                <a:effectLst/>
+              </a:rPr>
+              <a:t>£2.99, since apple takes 30% of the cut, leaving £2.09</a:t>
+            </a:r>
+            <a:r>
+              <a:rPr lang="en-GB" sz="1200" baseline="0" dirty="0" smtClean="0">
+                <a:effectLst/>
+              </a:rPr>
+              <a:t> for profit. The negotiation of investor cuts can be discussed later on.</a:t>
+            </a:r>
+            <a:endParaRPr lang="en-US" dirty="0"/>
           </a:p>
         </p:txBody>
       </p:sp>
@@ -676,6 +799,90 @@
             <a:fld id="{BD185688-4C40-4E7A-864B-16D3825AF4AF}" type="slidenum">
               <a:rPr lang="en-GB" smtClean="0"/>
               <a:t>10</a:t>
+            </a:fld>
+            <a:endParaRPr lang="en-GB"/>
+          </a:p>
+        </p:txBody>
+      </p:sp>
+    </p:spTree>
+    <p:extLst>
+      <p:ext uri="{BB962C8B-B14F-4D97-AF65-F5344CB8AC3E}">
+        <p14:creationId xmlns:p14="http://schemas.microsoft.com/office/powerpoint/2010/main" val="3176374093"/>
+      </p:ext>
+    </p:extLst>
+  </p:cSld>
+  <p:clrMapOvr>
+    <a:masterClrMapping/>
+  </p:clrMapOvr>
+</p:notes>
+</file>
+
+<file path=ppt/notesSlides/notesSlide11.xml><?xml version="1.0" encoding="utf-8"?>
+<p:notes xmlns:a="http://schemas.openxmlformats.org/drawingml/2006/main" xmlns:r="http://schemas.openxmlformats.org/officeDocument/2006/relationships" xmlns:p="http://schemas.openxmlformats.org/presentationml/2006/main">
+  <p:cSld>
+    <p:spTree>
+      <p:nvGrpSpPr>
+        <p:cNvPr id="1" name=""/>
+        <p:cNvGrpSpPr/>
+        <p:nvPr/>
+      </p:nvGrpSpPr>
+      <p:grpSpPr>
+        <a:xfrm>
+          <a:off x="0" y="0"/>
+          <a:ext cx="0" cy="0"/>
+          <a:chOff x="0" y="0"/>
+          <a:chExt cx="0" cy="0"/>
+        </a:xfrm>
+      </p:grpSpPr>
+      <p:sp>
+        <p:nvSpPr>
+          <p:cNvPr id="2" name="Slide Image Placeholder 1"/>
+          <p:cNvSpPr>
+            <a:spLocks noGrp="1" noRot="1" noChangeAspect="1"/>
+          </p:cNvSpPr>
+          <p:nvPr>
+            <p:ph type="sldImg"/>
+          </p:nvPr>
+        </p:nvSpPr>
+        <p:spPr/>
+      </p:sp>
+      <p:sp>
+        <p:nvSpPr>
+          <p:cNvPr id="3" name="Notes Placeholder 2"/>
+          <p:cNvSpPr>
+            <a:spLocks noGrp="1"/>
+          </p:cNvSpPr>
+          <p:nvPr>
+            <p:ph type="body" idx="1"/>
+          </p:nvPr>
+        </p:nvSpPr>
+        <p:spPr/>
+        <p:txBody>
+          <a:bodyPr/>
+          <a:lstStyle/>
+          <a:p>
+            <a:endParaRPr lang="en-US"/>
+          </a:p>
+        </p:txBody>
+      </p:sp>
+      <p:sp>
+        <p:nvSpPr>
+          <p:cNvPr id="4" name="Slide Number Placeholder 3"/>
+          <p:cNvSpPr>
+            <a:spLocks noGrp="1"/>
+          </p:cNvSpPr>
+          <p:nvPr>
+            <p:ph type="sldNum" sz="quarter" idx="10"/>
+          </p:nvPr>
+        </p:nvSpPr>
+        <p:spPr/>
+        <p:txBody>
+          <a:bodyPr/>
+          <a:lstStyle/>
+          <a:p>
+            <a:fld id="{BD185688-4C40-4E7A-864B-16D3825AF4AF}" type="slidenum">
+              <a:rPr lang="en-GB" smtClean="0"/>
+              <a:t>11</a:t>
             </a:fld>
             <a:endParaRPr lang="en-GB"/>
           </a:p>
@@ -836,11 +1043,7 @@
             </a:r>
             <a:r>
               <a:rPr lang="en-GB" baseline="0" dirty="0" smtClean="0"/>
-              <a:t> explain briefly about how I wish to create a game that is easy to play with one hand, feels fast and fluid and has linear style progression with combat mechanics</a:t>
-            </a:r>
-            <a:r>
-              <a:rPr lang="en-GB" baseline="0" dirty="0" smtClean="0"/>
-              <a:t>. The current lack of true-action on-rail mobile games on mobile is lacking, and action games on mobile generally require a long and steep learning curve that some mobile gamers refuse to learn. ( For Reference, </a:t>
+              <a:t> explain briefly about how I wish to create a game that is easy to play with one hand, feels fast and fluid and has linear style progression with combat mechanics. The current lack of true-action on-rail mobile games on mobile is lacking, and action games on mobile generally require a long and steep learning curve that some mobile gamers refuse to learn. ( For Reference, </a:t>
             </a:r>
             <a:r>
               <a:rPr lang="en-US" sz="1200" b="1" i="0" kern="1200" dirty="0" smtClean="0">
@@ -1251,14 +1454,14 @@
           <a:lstStyle/>
           <a:p>
             <a:r>
-              <a:rPr lang="en-US" dirty="0" smtClean="0"/>
-              <a:t>A</a:t>
-            </a:r>
-            <a:r>
-              <a:rPr lang="en-US" baseline="0" dirty="0" smtClean="0"/>
-              <a:t> potential risk here, being associated as a ‘copy’ of another game. I explain the general gameplay of the rival game, and also the platforms its on. However, I criticize that it is not really true action, as the only combat is sliding down or up to attack via quick time events. The gameplay also feels repetitive after a while, trying to persuade the player to use in-game purchases.</a:t>
-            </a:r>
-            <a:endParaRPr lang="en-US" dirty="0"/>
+              <a:rPr lang="en-GB" dirty="0" smtClean="0"/>
+              <a:t>I would keep the risks as</a:t>
+            </a:r>
+            <a:r>
+              <a:rPr lang="en-GB" baseline="0" dirty="0" smtClean="0"/>
+              <a:t> simple and relevant as possible to a project like this. A big risk would be the potential copyright infringement from the competition (Shadow Run) in the next slide.</a:t>
+            </a:r>
+            <a:endParaRPr lang="en-GB" dirty="0"/>
           </a:p>
         </p:txBody>
       </p:sp>
@@ -1288,7 +1491,7 @@
     </p:spTree>
     <p:extLst>
       <p:ext uri="{BB962C8B-B14F-4D97-AF65-F5344CB8AC3E}">
-        <p14:creationId xmlns:p14="http://schemas.microsoft.com/office/powerpoint/2010/main" val="3425683206"/>
+        <p14:creationId xmlns:p14="http://schemas.microsoft.com/office/powerpoint/2010/main" val="3690423487"/>
       </p:ext>
     </p:extLst>
   </p:cSld>
@@ -1342,7 +1545,15 @@
           <a:bodyPr/>
           <a:lstStyle/>
           <a:p>
-            <a:endParaRPr lang="en-US"/>
+            <a:r>
+              <a:rPr lang="en-US" dirty="0" smtClean="0"/>
+              <a:t>A</a:t>
+            </a:r>
+            <a:r>
+              <a:rPr lang="en-US" baseline="0" dirty="0" smtClean="0"/>
+              <a:t> potential risk here, being associated as a ‘copy’ of another game. I explain the general gameplay of the rival game, and also the platforms its on. However, I criticize that it is not really true action, as the only combat is sliding down or up to attack via quick time events. The gameplay also feels repetitive after a while, trying to persuade the player to use in-game purchases for advantages. (The game’s only source of income)</a:t>
+            </a:r>
+            <a:endParaRPr lang="en-US" dirty="0"/>
           </a:p>
         </p:txBody>
       </p:sp>
@@ -1372,7 +1583,7 @@
     </p:spTree>
     <p:extLst>
       <p:ext uri="{BB962C8B-B14F-4D97-AF65-F5344CB8AC3E}">
-        <p14:creationId xmlns:p14="http://schemas.microsoft.com/office/powerpoint/2010/main" val="3611032922"/>
+        <p14:creationId xmlns:p14="http://schemas.microsoft.com/office/powerpoint/2010/main" val="3425683206"/>
       </p:ext>
     </p:extLst>
   </p:cSld>
@@ -1426,7 +1637,15 @@
           <a:bodyPr/>
           <a:lstStyle/>
           <a:p>
-            <a:endParaRPr lang="en-US"/>
+            <a:r>
+              <a:rPr lang="en-US" dirty="0" smtClean="0"/>
+              <a:t>In</a:t>
+            </a:r>
+            <a:r>
+              <a:rPr lang="en-US" baseline="0" dirty="0" smtClean="0"/>
+              <a:t> this part of the slide, I would convince the investors on why it would be a good idea to back this project. Implying that the game would be short and simple, keeping the gamers engaged with a full game. Any optional in-game purchase would be for cosmetics only.  This is so that in-game purchases (if the customer chooses) are purely for aesthetics, and has no beneficial value or performance enhancing skills to the player.</a:t>
+            </a:r>
+            <a:endParaRPr lang="en-US" dirty="0"/>
           </a:p>
         </p:txBody>
       </p:sp>
@@ -1456,7 +1675,7 @@
     </p:spTree>
     <p:extLst>
       <p:ext uri="{BB962C8B-B14F-4D97-AF65-F5344CB8AC3E}">
-        <p14:creationId xmlns:p14="http://schemas.microsoft.com/office/powerpoint/2010/main" val="3176374093"/>
+        <p14:creationId xmlns:p14="http://schemas.microsoft.com/office/powerpoint/2010/main" val="3611032922"/>
       </p:ext>
     </p:extLst>
   </p:cSld>
@@ -1608,7 +1827,7 @@
           <a:p>
             <a:fld id="{074A871A-83E9-4E35-B055-15B93AF14EB8}" type="datetimeFigureOut">
               <a:rPr lang="en-GB" smtClean="0"/>
-              <a:t>28/10/2015</a:t>
+              <a:t>29/10/2015</a:t>
             </a:fld>
             <a:endParaRPr lang="en-GB"/>
           </a:p>
@@ -1778,7 +1997,7 @@
           <a:p>
             <a:fld id="{074A871A-83E9-4E35-B055-15B93AF14EB8}" type="datetimeFigureOut">
               <a:rPr lang="en-GB" smtClean="0"/>
-              <a:t>28/10/2015</a:t>
+              <a:t>29/10/2015</a:t>
             </a:fld>
             <a:endParaRPr lang="en-GB"/>
           </a:p>
@@ -1958,7 +2177,7 @@
           <a:p>
             <a:fld id="{074A871A-83E9-4E35-B055-15B93AF14EB8}" type="datetimeFigureOut">
               <a:rPr lang="en-GB" smtClean="0"/>
-              <a:t>28/10/2015</a:t>
+              <a:t>29/10/2015</a:t>
             </a:fld>
             <a:endParaRPr lang="en-GB"/>
           </a:p>
@@ -2232,7 +2451,7 @@
           <a:p>
             <a:fld id="{074A871A-83E9-4E35-B055-15B93AF14EB8}" type="datetimeFigureOut">
               <a:rPr lang="en-GB" smtClean="0"/>
-              <a:t>28/10/2015</a:t>
+              <a:t>29/10/2015</a:t>
             </a:fld>
             <a:endParaRPr lang="en-GB"/>
           </a:p>
@@ -2402,7 +2621,7 @@
           <a:p>
             <a:fld id="{074A871A-83E9-4E35-B055-15B93AF14EB8}" type="datetimeFigureOut">
               <a:rPr lang="en-GB" smtClean="0"/>
-              <a:t>28/10/2015</a:t>
+              <a:t>29/10/2015</a:t>
             </a:fld>
             <a:endParaRPr lang="en-GB"/>
           </a:p>
@@ -2661,7 +2880,7 @@
           <a:p>
             <a:fld id="{074A871A-83E9-4E35-B055-15B93AF14EB8}" type="datetimeFigureOut">
               <a:rPr lang="en-GB" smtClean="0"/>
-              <a:t>28/10/2015</a:t>
+              <a:t>29/10/2015</a:t>
             </a:fld>
             <a:endParaRPr lang="en-GB"/>
           </a:p>
@@ -2953,7 +3172,7 @@
           <a:p>
             <a:fld id="{074A871A-83E9-4E35-B055-15B93AF14EB8}" type="datetimeFigureOut">
               <a:rPr lang="en-GB" smtClean="0"/>
-              <a:t>28/10/2015</a:t>
+              <a:t>29/10/2015</a:t>
             </a:fld>
             <a:endParaRPr lang="en-GB"/>
           </a:p>
@@ -3383,7 +3602,7 @@
           <a:p>
             <a:fld id="{074A871A-83E9-4E35-B055-15B93AF14EB8}" type="datetimeFigureOut">
               <a:rPr lang="en-GB" smtClean="0"/>
-              <a:t>28/10/2015</a:t>
+              <a:t>29/10/2015</a:t>
             </a:fld>
             <a:endParaRPr lang="en-GB"/>
           </a:p>
@@ -3507,7 +3726,7 @@
           <a:p>
             <a:fld id="{074A871A-83E9-4E35-B055-15B93AF14EB8}" type="datetimeFigureOut">
               <a:rPr lang="en-GB" smtClean="0"/>
-              <a:t>28/10/2015</a:t>
+              <a:t>29/10/2015</a:t>
             </a:fld>
             <a:endParaRPr lang="en-GB"/>
           </a:p>
@@ -3602,7 +3821,7 @@
           <a:p>
             <a:fld id="{074A871A-83E9-4E35-B055-15B93AF14EB8}" type="datetimeFigureOut">
               <a:rPr lang="en-GB" smtClean="0"/>
-              <a:t>28/10/2015</a:t>
+              <a:t>29/10/2015</a:t>
             </a:fld>
             <a:endParaRPr lang="en-GB"/>
           </a:p>
@@ -3885,7 +4104,7 @@
           <a:p>
             <a:fld id="{074A871A-83E9-4E35-B055-15B93AF14EB8}" type="datetimeFigureOut">
               <a:rPr lang="en-GB" smtClean="0"/>
-              <a:t>28/10/2015</a:t>
+              <a:t>29/10/2015</a:t>
             </a:fld>
             <a:endParaRPr lang="en-GB"/>
           </a:p>
@@ -4055,7 +4274,7 @@
           <a:p>
             <a:fld id="{074A871A-83E9-4E35-B055-15B93AF14EB8}" type="datetimeFigureOut">
               <a:rPr lang="en-GB" smtClean="0"/>
-              <a:t>28/10/2015</a:t>
+              <a:t>29/10/2015</a:t>
             </a:fld>
             <a:endParaRPr lang="en-GB"/>
           </a:p>
@@ -4346,7 +4565,7 @@
           <a:p>
             <a:fld id="{074A871A-83E9-4E35-B055-15B93AF14EB8}" type="datetimeFigureOut">
               <a:rPr lang="en-GB" smtClean="0"/>
-              <a:t>28/10/2015</a:t>
+              <a:t>29/10/2015</a:t>
             </a:fld>
             <a:endParaRPr lang="en-GB"/>
           </a:p>
@@ -4647,7 +4866,7 @@
           <a:p>
             <a:fld id="{074A871A-83E9-4E35-B055-15B93AF14EB8}" type="datetimeFigureOut">
               <a:rPr lang="en-GB" smtClean="0"/>
-              <a:t>28/10/2015</a:t>
+              <a:t>29/10/2015</a:t>
             </a:fld>
             <a:endParaRPr lang="en-GB"/>
           </a:p>
@@ -4911,7 +5130,7 @@
           <a:p>
             <a:fld id="{074A871A-83E9-4E35-B055-15B93AF14EB8}" type="datetimeFigureOut">
               <a:rPr lang="en-GB" smtClean="0"/>
-              <a:t>28/10/2015</a:t>
+              <a:t>29/10/2015</a:t>
             </a:fld>
             <a:endParaRPr lang="en-GB"/>
           </a:p>
@@ -5471,7 +5690,7 @@
           <a:p>
             <a:fld id="{074A871A-83E9-4E35-B055-15B93AF14EB8}" type="datetimeFigureOut">
               <a:rPr lang="en-GB" smtClean="0"/>
-              <a:t>28/10/2015</a:t>
+              <a:t>29/10/2015</a:t>
             </a:fld>
             <a:endParaRPr lang="en-GB"/>
           </a:p>
@@ -5730,7 +5949,7 @@
           <a:p>
             <a:fld id="{074A871A-83E9-4E35-B055-15B93AF14EB8}" type="datetimeFigureOut">
               <a:rPr lang="en-GB" smtClean="0"/>
-              <a:t>28/10/2015</a:t>
+              <a:t>29/10/2015</a:t>
             </a:fld>
             <a:endParaRPr lang="en-GB"/>
           </a:p>
@@ -6306,7 +6525,7 @@
           <a:p>
             <a:fld id="{074A871A-83E9-4E35-B055-15B93AF14EB8}" type="datetimeFigureOut">
               <a:rPr lang="en-GB" smtClean="0"/>
-              <a:t>28/10/2015</a:t>
+              <a:t>29/10/2015</a:t>
             </a:fld>
             <a:endParaRPr lang="en-GB"/>
           </a:p>
@@ -6638,7 +6857,7 @@
           <a:p>
             <a:fld id="{074A871A-83E9-4E35-B055-15B93AF14EB8}" type="datetimeFigureOut">
               <a:rPr lang="en-GB" smtClean="0"/>
-              <a:t>28/10/2015</a:t>
+              <a:t>29/10/2015</a:t>
             </a:fld>
             <a:endParaRPr lang="en-GB"/>
           </a:p>
@@ -6813,7 +7032,7 @@
           <a:p>
             <a:fld id="{074A871A-83E9-4E35-B055-15B93AF14EB8}" type="datetimeFigureOut">
               <a:rPr lang="en-GB" smtClean="0"/>
-              <a:t>28/10/2015</a:t>
+              <a:t>29/10/2015</a:t>
             </a:fld>
             <a:endParaRPr lang="en-GB"/>
           </a:p>
@@ -6993,7 +7212,7 @@
           <a:p>
             <a:fld id="{074A871A-83E9-4E35-B055-15B93AF14EB8}" type="datetimeFigureOut">
               <a:rPr lang="en-GB" smtClean="0"/>
-              <a:t>28/10/2015</a:t>
+              <a:t>29/10/2015</a:t>
             </a:fld>
             <a:endParaRPr lang="en-GB"/>
           </a:p>
@@ -7244,7 +7463,7 @@
           <a:p>
             <a:fld id="{074A871A-83E9-4E35-B055-15B93AF14EB8}" type="datetimeFigureOut">
               <a:rPr lang="en-GB" smtClean="0"/>
-              <a:t>28/10/2015</a:t>
+              <a:t>29/10/2015</a:t>
             </a:fld>
             <a:endParaRPr lang="en-GB"/>
           </a:p>
@@ -7476,7 +7695,7 @@
           <a:p>
             <a:fld id="{074A871A-83E9-4E35-B055-15B93AF14EB8}" type="datetimeFigureOut">
               <a:rPr lang="en-GB" smtClean="0"/>
-              <a:t>28/10/2015</a:t>
+              <a:t>29/10/2015</a:t>
             </a:fld>
             <a:endParaRPr lang="en-GB"/>
           </a:p>
@@ -7823,7 +8042,7 @@
           <a:p>
             <a:fld id="{074A871A-83E9-4E35-B055-15B93AF14EB8}" type="datetimeFigureOut">
               <a:rPr lang="en-GB" smtClean="0"/>
-              <a:t>28/10/2015</a:t>
+              <a:t>29/10/2015</a:t>
             </a:fld>
             <a:endParaRPr lang="en-GB"/>
           </a:p>
@@ -7941,7 +8160,7 @@
           <a:p>
             <a:fld id="{074A871A-83E9-4E35-B055-15B93AF14EB8}" type="datetimeFigureOut">
               <a:rPr lang="en-GB" smtClean="0"/>
-              <a:t>28/10/2015</a:t>
+              <a:t>29/10/2015</a:t>
             </a:fld>
             <a:endParaRPr lang="en-GB"/>
           </a:p>
@@ -8059,7 +8278,7 @@
           <a:p>
             <a:fld id="{074A871A-83E9-4E35-B055-15B93AF14EB8}" type="datetimeFigureOut">
               <a:rPr lang="en-GB" smtClean="0"/>
-              <a:t>28/10/2015</a:t>
+              <a:t>29/10/2015</a:t>
             </a:fld>
             <a:endParaRPr lang="en-GB"/>
           </a:p>
@@ -8343,7 +8562,7 @@
           <a:p>
             <a:fld id="{074A871A-83E9-4E35-B055-15B93AF14EB8}" type="datetimeFigureOut">
               <a:rPr lang="en-GB" smtClean="0"/>
-              <a:t>28/10/2015</a:t>
+              <a:t>29/10/2015</a:t>
             </a:fld>
             <a:endParaRPr lang="en-GB"/>
           </a:p>
@@ -8607,7 +8826,7 @@
           <a:p>
             <a:fld id="{074A871A-83E9-4E35-B055-15B93AF14EB8}" type="datetimeFigureOut">
               <a:rPr lang="en-GB" smtClean="0"/>
-              <a:t>28/10/2015</a:t>
+              <a:t>29/10/2015</a:t>
             </a:fld>
             <a:endParaRPr lang="en-GB"/>
           </a:p>
@@ -8821,7 +9040,7 @@
           <a:p>
             <a:fld id="{074A871A-83E9-4E35-B055-15B93AF14EB8}" type="datetimeFigureOut">
               <a:rPr lang="en-GB" smtClean="0"/>
-              <a:t>28/10/2015</a:t>
+              <a:t>29/10/2015</a:t>
             </a:fld>
             <a:endParaRPr lang="en-GB"/>
           </a:p>
@@ -9358,7 +9577,7 @@
           <a:p>
             <a:fld id="{074A871A-83E9-4E35-B055-15B93AF14EB8}" type="datetimeFigureOut">
               <a:rPr lang="en-GB" smtClean="0"/>
-              <a:t>28/10/2015</a:t>
+              <a:t>29/10/2015</a:t>
             </a:fld>
             <a:endParaRPr lang="en-GB"/>
           </a:p>
@@ -10182,7 +10401,7 @@
         </p:blipFill>
         <p:spPr bwMode="auto">
           <a:xfrm>
-            <a:off x="838199" y="1828800"/>
+            <a:off x="895739" y="1828800"/>
             <a:ext cx="3013499" cy="2260124"/>
           </a:xfrm>
           <a:prstGeom prst="rect">
@@ -10302,72 +10521,6 @@
           </a:p>
         </p:txBody>
       </p:sp>
-      <p:sp>
-        <p:nvSpPr>
-          <p:cNvPr id="7" name="Rectangle 6"/>
-          <p:cNvSpPr/>
-          <p:nvPr/>
-        </p:nvSpPr>
-        <p:spPr>
-          <a:xfrm>
-            <a:off x="1509623" y="4076624"/>
-            <a:ext cx="1670650" cy="200055"/>
-          </a:xfrm>
-          <a:prstGeom prst="rect">
-            <a:avLst/>
-          </a:prstGeom>
-        </p:spPr>
-        <p:txBody>
-          <a:bodyPr wrap="none">
-            <a:spAutoFit/>
-          </a:bodyPr>
-          <a:lstStyle/>
-          <a:p>
-            <a:r>
-              <a:rPr lang="en-GB" sz="700" b="1" dirty="0" smtClean="0"/>
-              <a:t>Image from: http</a:t>
-            </a:r>
-            <a:r>
-              <a:rPr lang="en-GB" sz="700" b="1" dirty="0"/>
-              <a:t>://tinyurl.com/qf7gh5j</a:t>
-            </a:r>
-            <a:endParaRPr lang="en-GB" sz="700" dirty="0"/>
-          </a:p>
-        </p:txBody>
-      </p:sp>
-      <p:sp>
-        <p:nvSpPr>
-          <p:cNvPr id="9" name="Rectangle 8"/>
-          <p:cNvSpPr/>
-          <p:nvPr/>
-        </p:nvSpPr>
-        <p:spPr>
-          <a:xfrm>
-            <a:off x="5644474" y="4076623"/>
-            <a:ext cx="1667444" cy="200055"/>
-          </a:xfrm>
-          <a:prstGeom prst="rect">
-            <a:avLst/>
-          </a:prstGeom>
-        </p:spPr>
-        <p:txBody>
-          <a:bodyPr wrap="none">
-            <a:spAutoFit/>
-          </a:bodyPr>
-          <a:lstStyle/>
-          <a:p>
-            <a:r>
-              <a:rPr lang="en-GB" sz="700" b="1" dirty="0" smtClean="0"/>
-              <a:t>Image from: </a:t>
-            </a:r>
-            <a:r>
-              <a:rPr lang="en-GB" sz="700" b="1" dirty="0"/>
-              <a:t>http://tinyurl.com/obn3tjs</a:t>
-            </a:r>
-            <a:endParaRPr lang="en-GB" sz="700" dirty="0"/>
-          </a:p>
-        </p:txBody>
-      </p:sp>
     </p:spTree>
     <p:extLst>
       <p:ext uri="{BB962C8B-B14F-4D97-AF65-F5344CB8AC3E}">
@@ -10415,6 +10568,172 @@
             <p:ph type="title"/>
           </p:nvPr>
         </p:nvSpPr>
+        <p:spPr>
+          <a:xfrm>
+            <a:off x="818346" y="102663"/>
+            <a:ext cx="7511473" cy="1312480"/>
+          </a:xfrm>
+        </p:spPr>
+        <p:txBody>
+          <a:bodyPr/>
+          <a:lstStyle/>
+          <a:p>
+            <a:r>
+              <a:rPr lang="en-GB" dirty="0" smtClean="0"/>
+              <a:t>How much to invest in?</a:t>
+            </a:r>
+            <a:endParaRPr lang="en-GB" dirty="0"/>
+          </a:p>
+        </p:txBody>
+      </p:sp>
+      <p:sp>
+        <p:nvSpPr>
+          <p:cNvPr id="3" name="Content Placeholder 2"/>
+          <p:cNvSpPr>
+            <a:spLocks noGrp="1"/>
+          </p:cNvSpPr>
+          <p:nvPr>
+            <p:ph idx="1"/>
+          </p:nvPr>
+        </p:nvSpPr>
+        <p:spPr>
+          <a:xfrm>
+            <a:off x="818347" y="1447800"/>
+            <a:ext cx="7511472" cy="4044660"/>
+          </a:xfrm>
+        </p:spPr>
+        <p:txBody>
+          <a:bodyPr>
+            <a:normAutofit fontScale="77500" lnSpcReduction="20000"/>
+          </a:bodyPr>
+          <a:lstStyle/>
+          <a:p>
+            <a:r>
+              <a:rPr lang="en-GB" sz="3200" dirty="0">
+                <a:effectLst/>
+              </a:rPr>
+              <a:t>£ </a:t>
+            </a:r>
+            <a:r>
+              <a:rPr lang="en-GB" sz="3200" dirty="0" smtClean="0"/>
+              <a:t>7500, for the first 4 levels. Done in 5 months time.</a:t>
+            </a:r>
+          </a:p>
+          <a:p>
+            <a:endParaRPr lang="en-GB" sz="3200" dirty="0" smtClean="0"/>
+          </a:p>
+          <a:p>
+            <a:r>
+              <a:rPr lang="en-GB" sz="3200" dirty="0"/>
+              <a:t>Charge </a:t>
+            </a:r>
+            <a:r>
+              <a:rPr lang="en-GB" sz="3300" dirty="0" smtClean="0">
+                <a:effectLst/>
+              </a:rPr>
+              <a:t>£</a:t>
+            </a:r>
+            <a:r>
+              <a:rPr lang="en-GB" sz="3200" dirty="0"/>
+              <a:t>2</a:t>
+            </a:r>
+            <a:r>
+              <a:rPr lang="en-GB" sz="3200" dirty="0" smtClean="0"/>
+              <a:t>.99</a:t>
+            </a:r>
+            <a:endParaRPr lang="en-GB" sz="3200" dirty="0"/>
+          </a:p>
+          <a:p>
+            <a:endParaRPr lang="en-GB" sz="3200" dirty="0"/>
+          </a:p>
+          <a:p>
+            <a:r>
+              <a:rPr lang="en-GB" sz="3200" dirty="0" smtClean="0"/>
+              <a:t>Include DLC for cosmetics in the future. Price ranging from </a:t>
+            </a:r>
+            <a:r>
+              <a:rPr lang="en-GB" sz="3200" dirty="0">
+                <a:effectLst/>
+              </a:rPr>
+              <a:t>£ </a:t>
+            </a:r>
+            <a:r>
+              <a:rPr lang="en-GB" sz="3200" dirty="0" smtClean="0"/>
+              <a:t>0.60 to </a:t>
+            </a:r>
+            <a:r>
+              <a:rPr lang="en-GB" sz="3200" dirty="0">
+                <a:effectLst/>
+              </a:rPr>
+              <a:t>£ </a:t>
+            </a:r>
+            <a:r>
+              <a:rPr lang="en-GB" sz="3200" dirty="0" smtClean="0"/>
+              <a:t>1.50</a:t>
+            </a:r>
+          </a:p>
+          <a:p>
+            <a:pPr marL="0" indent="0">
+              <a:buNone/>
+            </a:pPr>
+            <a:r>
+              <a:rPr lang="en-GB" sz="3200" dirty="0" smtClean="0"/>
+              <a:t/>
+            </a:r>
+            <a:br>
+              <a:rPr lang="en-GB" sz="3200" dirty="0" smtClean="0"/>
+            </a:br>
+            <a:r>
+              <a:rPr lang="en-GB" sz="3200" dirty="0" smtClean="0"/>
+              <a:t/>
+            </a:r>
+            <a:br>
+              <a:rPr lang="en-GB" sz="3200" dirty="0" smtClean="0"/>
+            </a:br>
+            <a:endParaRPr lang="en-GB" sz="3200" dirty="0"/>
+          </a:p>
+        </p:txBody>
+      </p:sp>
+    </p:spTree>
+    <p:extLst>
+      <p:ext uri="{BB962C8B-B14F-4D97-AF65-F5344CB8AC3E}">
+        <p14:creationId xmlns:p14="http://schemas.microsoft.com/office/powerpoint/2010/main" val="590670967"/>
+      </p:ext>
+    </p:extLst>
+  </p:cSld>
+  <p:clrMapOvr>
+    <a:masterClrMapping/>
+  </p:clrMapOvr>
+</p:sld>
+</file>
+
+<file path=ppt/slides/slide11.xml><?xml version="1.0" encoding="utf-8"?>
+<p:sld xmlns:a="http://schemas.openxmlformats.org/drawingml/2006/main" xmlns:r="http://schemas.openxmlformats.org/officeDocument/2006/relationships" xmlns:p="http://schemas.openxmlformats.org/presentationml/2006/main">
+  <p:cSld>
+    <p:spTree>
+      <p:nvGrpSpPr>
+        <p:cNvPr id="1" name=""/>
+        <p:cNvGrpSpPr/>
+        <p:nvPr/>
+      </p:nvGrpSpPr>
+      <p:grpSpPr>
+        <a:xfrm>
+          <a:off x="0" y="0"/>
+          <a:ext cx="0" cy="0"/>
+          <a:chOff x="0" y="0"/>
+          <a:chExt cx="0" cy="0"/>
+        </a:xfrm>
+      </p:grpSpPr>
+      <p:sp>
+        <p:nvSpPr>
+          <p:cNvPr id="2" name="Title 1"/>
+          <p:cNvSpPr>
+            <a:spLocks noGrp="1"/>
+          </p:cNvSpPr>
+          <p:nvPr>
+            <p:ph type="title"/>
+          </p:nvPr>
+        </p:nvSpPr>
         <p:spPr/>
         <p:txBody>
           <a:bodyPr/>
@@ -10443,11 +10762,77 @@
           <a:bodyPr/>
           <a:lstStyle/>
           <a:p>
+            <a:pPr marL="0" indent="0">
+              <a:buNone/>
+            </a:pPr>
+            <a:endParaRPr lang="en-GB" dirty="0" smtClean="0">
+              <a:hlinkClick r:id="rId3"/>
+            </a:endParaRPr>
+          </a:p>
+          <a:p>
+            <a:r>
+              <a:rPr lang="en-GB" dirty="0" smtClean="0">
+                <a:hlinkClick r:id="rId4"/>
+              </a:rPr>
+              <a:t>http</a:t>
+            </a:r>
+            <a:r>
+              <a:rPr lang="en-GB" dirty="0">
+                <a:hlinkClick r:id="rId4"/>
+              </a:rPr>
+              <a:t>://</a:t>
+            </a:r>
+            <a:r>
+              <a:rPr lang="en-GB" dirty="0" smtClean="0">
+                <a:hlinkClick r:id="rId4"/>
+              </a:rPr>
+              <a:t>tinyurl.com/qf7gh5j</a:t>
+            </a:r>
+            <a:r>
+              <a:rPr lang="en-GB" dirty="0" smtClean="0"/>
+              <a:t> - Star Fox Image</a:t>
+            </a:r>
+            <a:endParaRPr lang="en-GB" dirty="0"/>
+          </a:p>
+          <a:p>
+            <a:r>
+              <a:rPr lang="en-GB" dirty="0" smtClean="0">
+                <a:hlinkClick r:id="rId5"/>
+              </a:rPr>
+              <a:t>http</a:t>
+            </a:r>
+            <a:r>
+              <a:rPr lang="en-GB" dirty="0">
+                <a:hlinkClick r:id="rId5"/>
+              </a:rPr>
+              <a:t>://</a:t>
+            </a:r>
+            <a:r>
+              <a:rPr lang="en-GB" dirty="0" smtClean="0">
+                <a:hlinkClick r:id="rId5"/>
+              </a:rPr>
+              <a:t>tinyurl.com/obn3tjs</a:t>
+            </a:r>
+            <a:r>
+              <a:rPr lang="en-GB" dirty="0" smtClean="0"/>
+              <a:t> - Temple Run Image</a:t>
+            </a:r>
+            <a:endParaRPr lang="en-GB" dirty="0" smtClean="0">
+              <a:hlinkClick r:id="rId3"/>
+            </a:endParaRPr>
+          </a:p>
+          <a:p>
+            <a:r>
+              <a:rPr lang="en-GB" dirty="0" smtClean="0">
+                <a:hlinkClick r:id="rId3"/>
+              </a:rPr>
+              <a:t>http</a:t>
+            </a:r>
             <a:r>
               <a:rPr lang="en-GB" dirty="0">
                 <a:hlinkClick r:id="rId3"/>
               </a:rPr>
-              <a:t>http://androidspin.com/2014/02/06/game-insight-releases-details-upcoming-running-shadow-game</a:t>
+              <a:t>://androidspin.com/2014/02/06/game-insight-releases-details-upcoming-running-shadow-game</a:t>
             </a:r>
             <a:r>
               <a:rPr lang="en-GB" dirty="0" smtClean="0">
@@ -10459,6 +10844,8 @@
               <a:rPr lang="en-GB" dirty="0" smtClean="0"/>
               <a:t> - Running Shadow</a:t>
             </a:r>
+          </a:p>
+          <a:p>
             <a:endParaRPr lang="en-GB" dirty="0"/>
           </a:p>
         </p:txBody>
@@ -10523,7 +10910,7 @@
         </p:blipFill>
         <p:spPr bwMode="auto">
           <a:xfrm>
-            <a:off x="2362200" y="609600"/>
+            <a:off x="2362200" y="685800"/>
             <a:ext cx="3505200" cy="2997355"/>
           </a:xfrm>
           <a:prstGeom prst="rect">
@@ -10613,7 +11000,7 @@
           <a:p>
             <a:r>
               <a:rPr lang="en-US" sz="2800" dirty="0" smtClean="0"/>
-              <a:t>Simple movement and combat controls, intended to be played with one hand</a:t>
+              <a:t>Simple movement and combat controls, intended to be played with one hand on mobile devices.</a:t>
             </a:r>
           </a:p>
           <a:p>
@@ -10624,7 +11011,6 @@
               <a:rPr lang="en-US" sz="2800" dirty="0" smtClean="0"/>
               <a:t>Linear progression with boss battles.</a:t>
             </a:r>
-            <a:endParaRPr lang="en-US" sz="2800" dirty="0"/>
           </a:p>
         </p:txBody>
       </p:sp>
@@ -10709,23 +11095,14 @@
               <a:rPr lang="en-ZA" sz="4000" dirty="0" smtClean="0"/>
               <a:t>Lack of action combat on-rail games on mobile.</a:t>
             </a:r>
+          </a:p>
+          <a:p>
             <a:endParaRPr lang="en-ZA" sz="4000" dirty="0" smtClean="0"/>
           </a:p>
           <a:p>
-            <a:endParaRPr lang="en-ZA" sz="4000" dirty="0" smtClean="0"/>
-          </a:p>
-          <a:p>
             <a:r>
               <a:rPr lang="en-ZA" sz="4000" dirty="0" smtClean="0"/>
-              <a:t>Simple </a:t>
-            </a:r>
-            <a:r>
-              <a:rPr lang="en-ZA" sz="4000" dirty="0" smtClean="0"/>
-              <a:t>to play with one hand</a:t>
-            </a:r>
-            <a:r>
-              <a:rPr lang="en-ZA" sz="4000" dirty="0" smtClean="0"/>
-              <a:t>.</a:t>
+              <a:t>Simple to play with one hand.</a:t>
             </a:r>
           </a:p>
           <a:p>
@@ -10736,7 +11113,6 @@
               <a:rPr lang="en-ZA" sz="4000" dirty="0" smtClean="0"/>
               <a:t>Mechanics intended to be simple and engaging.</a:t>
             </a:r>
-            <a:endParaRPr lang="en-ZA" sz="4000" dirty="0" smtClean="0"/>
           </a:p>
           <a:p>
             <a:pPr marL="0" indent="0">
@@ -10953,33 +11329,20 @@
           <a:p>
             <a:r>
               <a:rPr lang="en-ZA" sz="3700" dirty="0" smtClean="0"/>
-              <a:t>Simple control scheme for a </a:t>
-            </a:r>
+              <a:t>Simple control scheme for a combat-heavy game.</a:t>
+            </a:r>
+          </a:p>
+          <a:p>
             <a:r>
               <a:rPr lang="en-ZA" sz="3700" dirty="0" smtClean="0"/>
-              <a:t>combat-heavy game.</a:t>
-            </a:r>
-            <a:endParaRPr lang="en-ZA" sz="3700" dirty="0" smtClean="0"/>
+              <a:t>Levels progress on-rail style, with end boss battle.</a:t>
+            </a:r>
+            <a:endParaRPr lang="en-ZA" sz="3700" dirty="0"/>
           </a:p>
           <a:p>
             <a:r>
               <a:rPr lang="en-ZA" sz="3700" dirty="0" smtClean="0"/>
-              <a:t>Levels progress on-rail style, with end boss battle</a:t>
-            </a:r>
-            <a:r>
-              <a:rPr lang="en-ZA" sz="3700" dirty="0" smtClean="0"/>
-              <a:t>.</a:t>
-            </a:r>
-            <a:endParaRPr lang="en-ZA" sz="3700" dirty="0"/>
-          </a:p>
-          <a:p>
-            <a:r>
-              <a:rPr lang="en-ZA" sz="3700" dirty="0" smtClean="0"/>
-              <a:t>Players </a:t>
-            </a:r>
-            <a:r>
-              <a:rPr lang="en-ZA" sz="3700" dirty="0" smtClean="0"/>
-              <a:t>given a choice to progress in any order.</a:t>
+              <a:t>Players given a choice to progress in any order.</a:t>
             </a:r>
             <a:endParaRPr lang="en-ZA" sz="3700" dirty="0"/>
           </a:p>
@@ -11651,6 +12014,101 @@
             <p:ph type="title"/>
           </p:nvPr>
         </p:nvSpPr>
+        <p:spPr/>
+        <p:txBody>
+          <a:bodyPr/>
+          <a:lstStyle/>
+          <a:p>
+            <a:r>
+              <a:rPr lang="en-GB" dirty="0" smtClean="0"/>
+              <a:t>What Risks would be involved?</a:t>
+            </a:r>
+            <a:endParaRPr lang="en-GB" dirty="0"/>
+          </a:p>
+        </p:txBody>
+      </p:sp>
+      <p:sp>
+        <p:nvSpPr>
+          <p:cNvPr id="3" name="Content Placeholder 2"/>
+          <p:cNvSpPr>
+            <a:spLocks noGrp="1"/>
+          </p:cNvSpPr>
+          <p:nvPr>
+            <p:ph idx="1"/>
+          </p:nvPr>
+        </p:nvSpPr>
+        <p:spPr>
+          <a:xfrm>
+            <a:off x="818348" y="755940"/>
+            <a:ext cx="7511472" cy="5644860"/>
+          </a:xfrm>
+        </p:spPr>
+        <p:txBody>
+          <a:bodyPr>
+            <a:normAutofit/>
+          </a:bodyPr>
+          <a:lstStyle/>
+          <a:p>
+            <a:r>
+              <a:rPr lang="en-GB" sz="2800" dirty="0" smtClean="0"/>
+              <a:t>Overcrowded mobile games market.</a:t>
+            </a:r>
+          </a:p>
+          <a:p>
+            <a:endParaRPr lang="en-GB" sz="2800" dirty="0" smtClean="0"/>
+          </a:p>
+          <a:p>
+            <a:endParaRPr lang="en-GB" sz="2800" dirty="0"/>
+          </a:p>
+          <a:p>
+            <a:r>
+              <a:rPr lang="en-GB" sz="2800" dirty="0" smtClean="0"/>
+              <a:t>Potential copyright from competition.</a:t>
+            </a:r>
+            <a:endParaRPr lang="en-GB" sz="2800" dirty="0"/>
+          </a:p>
+        </p:txBody>
+      </p:sp>
+    </p:spTree>
+    <p:extLst>
+      <p:ext uri="{BB962C8B-B14F-4D97-AF65-F5344CB8AC3E}">
+        <p14:creationId xmlns:p14="http://schemas.microsoft.com/office/powerpoint/2010/main" val="2361165684"/>
+      </p:ext>
+    </p:extLst>
+  </p:cSld>
+  <p:clrMapOvr>
+    <a:masterClrMapping/>
+  </p:clrMapOvr>
+</p:sld>
+</file>
+
+<file path=ppt/slides/slide8.xml><?xml version="1.0" encoding="utf-8"?>
+<p:sld xmlns:a="http://schemas.openxmlformats.org/drawingml/2006/main" xmlns:r="http://schemas.openxmlformats.org/officeDocument/2006/relationships" xmlns:p="http://schemas.openxmlformats.org/presentationml/2006/main">
+  <p:cSld>
+    <p:spTree>
+      <p:nvGrpSpPr>
+        <p:cNvPr id="1" name=""/>
+        <p:cNvGrpSpPr/>
+        <p:nvPr/>
+      </p:nvGrpSpPr>
+      <p:grpSpPr>
+        <a:xfrm>
+          <a:off x="0" y="0"/>
+          <a:ext cx="0" cy="0"/>
+          <a:chOff x="0" y="0"/>
+          <a:chExt cx="0" cy="0"/>
+        </a:xfrm>
+      </p:grpSpPr>
+      <p:sp>
+        <p:nvSpPr>
+          <p:cNvPr id="2" name="Title 1"/>
+          <p:cNvSpPr>
+            <a:spLocks noGrp="1"/>
+          </p:cNvSpPr>
+          <p:nvPr>
+            <p:ph type="title"/>
+          </p:nvPr>
+        </p:nvSpPr>
         <p:spPr>
           <a:xfrm>
             <a:off x="818347" y="152400"/>
@@ -11712,7 +12170,6 @@
               <a:rPr lang="en-GB" sz="4000" dirty="0" smtClean="0"/>
               <a:t> </a:t>
             </a:r>
-            <a:endParaRPr lang="en-GB" sz="4000" dirty="0" smtClean="0"/>
           </a:p>
           <a:p>
             <a:r>
@@ -11830,7 +12287,7 @@
 </p:sld>
 </file>
 
-<file path=ppt/slides/slide8.xml><?xml version="1.0" encoding="utf-8"?>
+<file path=ppt/slides/slide9.xml><?xml version="1.0" encoding="utf-8"?>
 <p:sld xmlns:a="http://schemas.openxmlformats.org/drawingml/2006/main" xmlns:r="http://schemas.openxmlformats.org/officeDocument/2006/relationships" xmlns:p="http://schemas.openxmlformats.org/presentationml/2006/main">
   <p:cSld>
     <p:spTree>
@@ -11901,15 +12358,6 @@
             <a:pPr marL="0" indent="0">
               <a:buNone/>
             </a:pPr>
-            <a:endParaRPr lang="en-ZA" sz="2800" dirty="0" smtClean="0"/>
-          </a:p>
-          <a:p>
-            <a:r>
-              <a:rPr lang="en-ZA" sz="2800" dirty="0" smtClean="0"/>
-              <a:t>No advantageous benefits via monetary payments.</a:t>
-            </a:r>
-          </a:p>
-          <a:p>
             <a:endParaRPr lang="en-ZA" sz="2800" dirty="0"/>
           </a:p>
           <a:p>
@@ -11925,6 +12373,15 @@
             <a:r>
               <a:rPr lang="en-ZA" sz="2800" dirty="0" smtClean="0"/>
               <a:t>Gameplay would not be annoyingly repetitive, losing customer interests.</a:t>
+            </a:r>
+          </a:p>
+          <a:p>
+            <a:endParaRPr lang="en-ZA" sz="2800" dirty="0"/>
+          </a:p>
+          <a:p>
+            <a:r>
+              <a:rPr lang="en-ZA" sz="2800" dirty="0" smtClean="0"/>
+              <a:t>Monetize via initial purchase, then optional DLC (For pure cosmetic elements).</a:t>
             </a:r>
           </a:p>
           <a:p>
@@ -11964,167 +12421,6 @@
       </p:par>
     </p:tnLst>
   </p:timing>
-</p:sld>
-</file>
-
-<file path=ppt/slides/slide9.xml><?xml version="1.0" encoding="utf-8"?>
-<p:sld xmlns:a="http://schemas.openxmlformats.org/drawingml/2006/main" xmlns:r="http://schemas.openxmlformats.org/officeDocument/2006/relationships" xmlns:p="http://schemas.openxmlformats.org/presentationml/2006/main">
-  <p:cSld>
-    <p:spTree>
-      <p:nvGrpSpPr>
-        <p:cNvPr id="1" name=""/>
-        <p:cNvGrpSpPr/>
-        <p:nvPr/>
-      </p:nvGrpSpPr>
-      <p:grpSpPr>
-        <a:xfrm>
-          <a:off x="0" y="0"/>
-          <a:ext cx="0" cy="0"/>
-          <a:chOff x="0" y="0"/>
-          <a:chExt cx="0" cy="0"/>
-        </a:xfrm>
-      </p:grpSpPr>
-      <p:sp>
-        <p:nvSpPr>
-          <p:cNvPr id="2" name="Title 1"/>
-          <p:cNvSpPr>
-            <a:spLocks noGrp="1"/>
-          </p:cNvSpPr>
-          <p:nvPr>
-            <p:ph type="title"/>
-          </p:nvPr>
-        </p:nvSpPr>
-        <p:spPr>
-          <a:xfrm>
-            <a:off x="818346" y="102663"/>
-            <a:ext cx="7511473" cy="1312480"/>
-          </a:xfrm>
-        </p:spPr>
-        <p:txBody>
-          <a:bodyPr/>
-          <a:lstStyle/>
-          <a:p>
-            <a:r>
-              <a:rPr lang="en-GB" dirty="0" smtClean="0"/>
-              <a:t>How much to invest in?</a:t>
-            </a:r>
-            <a:endParaRPr lang="en-GB" dirty="0"/>
-          </a:p>
-        </p:txBody>
-      </p:sp>
-      <p:sp>
-        <p:nvSpPr>
-          <p:cNvPr id="3" name="Content Placeholder 2"/>
-          <p:cNvSpPr>
-            <a:spLocks noGrp="1"/>
-          </p:cNvSpPr>
-          <p:nvPr>
-            <p:ph idx="1"/>
-          </p:nvPr>
-        </p:nvSpPr>
-        <p:spPr>
-          <a:xfrm>
-            <a:off x="818347" y="1447800"/>
-            <a:ext cx="7511472" cy="4044660"/>
-          </a:xfrm>
-        </p:spPr>
-        <p:txBody>
-          <a:bodyPr>
-            <a:normAutofit fontScale="77500" lnSpcReduction="20000"/>
-          </a:bodyPr>
-          <a:lstStyle/>
-          <a:p>
-            <a:r>
-              <a:rPr lang="en-GB" sz="3200" dirty="0">
-                <a:effectLst/>
-              </a:rPr>
-              <a:t>£ </a:t>
-            </a:r>
-            <a:r>
-              <a:rPr lang="en-GB" sz="3200" dirty="0" smtClean="0"/>
-              <a:t>8000, for the first 4 levels. Done in 5 months time.</a:t>
-            </a:r>
-          </a:p>
-          <a:p>
-            <a:endParaRPr lang="en-GB" sz="3200" dirty="0" smtClean="0"/>
-          </a:p>
-          <a:p>
-            <a:r>
-              <a:rPr lang="en-GB" sz="3200" dirty="0"/>
-              <a:t>Charge </a:t>
-            </a:r>
-            <a:r>
-              <a:rPr lang="en-GB" sz="3300" dirty="0">
-                <a:effectLst/>
-              </a:rPr>
-              <a:t>£</a:t>
-            </a:r>
-            <a:r>
-              <a:rPr lang="en-GB" sz="3200" dirty="0"/>
-              <a:t>1.99</a:t>
-            </a:r>
-          </a:p>
-          <a:p>
-            <a:endParaRPr lang="en-GB" sz="3200" dirty="0"/>
-          </a:p>
-          <a:p>
-            <a:r>
-              <a:rPr lang="en-GB" sz="3200" dirty="0" smtClean="0"/>
-              <a:t>Include DLC for cosmetics in the future. Price ranging from </a:t>
-            </a:r>
-            <a:r>
-              <a:rPr lang="en-GB" sz="3200" dirty="0">
-                <a:effectLst/>
-              </a:rPr>
-              <a:t>£ </a:t>
-            </a:r>
-            <a:r>
-              <a:rPr lang="en-GB" sz="3200" dirty="0" smtClean="0"/>
-              <a:t>0.60 to </a:t>
-            </a:r>
-            <a:r>
-              <a:rPr lang="en-GB" sz="3200" dirty="0">
-                <a:effectLst/>
-              </a:rPr>
-              <a:t>£ </a:t>
-            </a:r>
-            <a:r>
-              <a:rPr lang="en-GB" sz="3200" dirty="0" smtClean="0"/>
-              <a:t>1.50</a:t>
-            </a:r>
-          </a:p>
-          <a:p>
-            <a:pPr marL="0" indent="0">
-              <a:buNone/>
-            </a:pPr>
-            <a:r>
-              <a:rPr lang="en-GB" sz="3200" dirty="0" smtClean="0"/>
-              <a:t/>
-            </a:r>
-            <a:br>
-              <a:rPr lang="en-GB" sz="3200" dirty="0" smtClean="0"/>
-            </a:br>
-            <a:r>
-              <a:rPr lang="en-GB" sz="3200" dirty="0" smtClean="0"/>
-              <a:t/>
-            </a:r>
-            <a:br>
-              <a:rPr lang="en-GB" sz="3200" dirty="0" smtClean="0"/>
-            </a:br>
-            <a:endParaRPr lang="en-GB" sz="3200" dirty="0"/>
-          </a:p>
-        </p:txBody>
-      </p:sp>
-    </p:spTree>
-    <p:extLst>
-      <p:ext uri="{BB962C8B-B14F-4D97-AF65-F5344CB8AC3E}">
-        <p14:creationId xmlns:p14="http://schemas.microsoft.com/office/powerpoint/2010/main" val="590670967"/>
-      </p:ext>
-    </p:extLst>
-  </p:cSld>
-  <p:clrMapOvr>
-    <a:masterClrMapping/>
-  </p:clrMapOvr>
 </p:sld>
 </file>
 
